--- a/BOQC-Basis of Quantum computing/Slide/4. Quantum circuit.pptx
+++ b/BOQC-Basis of Quantum computing/Slide/4. Quantum circuit.pptx
@@ -297,7 +297,115 @@
 </inkml:ink>
 </file>
 
-<file path=ppt/ink/ink2.xml><?xml version="1.0" encoding="utf-8"?>
+<file path=ppt/ink/ink10.xml><?xml version="1.0" encoding="utf-8"?>
+<inkml:ink xmlns:inkml="http://www.w3.org/2003/InkML">
+  <inkml:definitions>
+    <inkml:context xml:id="ctx0">
+      <inkml:inkSource xml:id="inkSrc0">
+        <inkml:traceFormat>
+          <inkml:channel name="X" type="integer" min="-2.14748E9" max="2.14748E9" units="cm"/>
+          <inkml:channel name="Y" type="integer" min="-2.14748E9" max="2.14748E9" units="cm"/>
+          <inkml:channel name="F" type="integer" max="32767" units="dev"/>
+        </inkml:traceFormat>
+        <inkml:channelProperties>
+          <inkml:channelProperty channel="X" name="resolution" value="1000" units="1/cm"/>
+          <inkml:channelProperty channel="Y" name="resolution" value="1000" units="1/cm"/>
+          <inkml:channelProperty channel="F" name="resolution" value="0" units="1/dev"/>
+        </inkml:channelProperties>
+      </inkml:inkSource>
+      <inkml:timestamp xml:id="ts0" timeString="2023-11-19T07:05:23.270"/>
+    </inkml:context>
+    <inkml:brush xml:id="br0">
+      <inkml:brushProperty name="width" value="0.05" units="cm"/>
+      <inkml:brushProperty name="height" value="0.05" units="cm"/>
+    </inkml:brush>
+  </inkml:definitions>
+  <inkml:trace contextRef="#ctx0" brushRef="#br0">982 366 24575,'-20'-2'0,"-3"0"0,-10-4 0,-1-3 0,-1-1 0,0-1 0,1 1 0,1 1 0,3 0 0,3 0 0,4 2 0,4 1 0,2 1 0,4 1 0,-2-1 0,2 3 0,1-1 0,-1 1 0,-1-3 0,1-1 0,-2 0 0,-2-2 0,-2 0 0,-1 2 0,1 0 0,3 0 0,1 1 0,2-1 0,0 2 0,0-1 0,0-1 0,0 1 0,1-1 0,1 2 0,2 1 0,0 0 0,-1 0 0,1-1 0,-1-2 0,-3-2 0,0 0 0,-2 0 0,0 0 0,1 1 0,1-2 0,0 1 0,2 0 0,-1 0 0,1 1 0,0 1 0,0 0 0,2 1 0,0 0 0,0 0 0,1 1 0,0 0 0,1 1 0,1 1 0,1 0 0,0 0 0,-1-1 0,0-1 0,-2 0 0,1 0 0,-2 1 0,1 1 0,3 2 0,2 0 0</inkml:trace>
+</inkml:ink>
+</file>
+
+<file path=ppt/ink/ink11.xml><?xml version="1.0" encoding="utf-8"?>
+<inkml:ink xmlns:inkml="http://www.w3.org/2003/InkML">
+  <inkml:definitions>
+    <inkml:context xml:id="ctx0">
+      <inkml:inkSource xml:id="inkSrc0">
+        <inkml:traceFormat>
+          <inkml:channel name="X" type="integer" min="-2.14748E9" max="2.14748E9" units="cm"/>
+          <inkml:channel name="Y" type="integer" min="-2.14748E9" max="2.14748E9" units="cm"/>
+          <inkml:channel name="F" type="integer" max="32767" units="dev"/>
+        </inkml:traceFormat>
+        <inkml:channelProperties>
+          <inkml:channelProperty channel="X" name="resolution" value="1000" units="1/cm"/>
+          <inkml:channelProperty channel="Y" name="resolution" value="1000" units="1/cm"/>
+          <inkml:channelProperty channel="F" name="resolution" value="0" units="1/dev"/>
+        </inkml:channelProperties>
+      </inkml:inkSource>
+      <inkml:timestamp xml:id="ts0" timeString="2023-11-19T07:05:36.718"/>
+    </inkml:context>
+    <inkml:brush xml:id="br0">
+      <inkml:brushProperty name="width" value="0.05" units="cm"/>
+      <inkml:brushProperty name="height" value="0.05" units="cm"/>
+    </inkml:brush>
+  </inkml:definitions>
+  <inkml:trace contextRef="#ctx0" brushRef="#br0">1 0 24575,'37'5'0,"-9"2"0,17 8 0,-14 1 0,-1 3 0,-3-1 0,-5-2 0,-2-3 0,-3-3 0,-2-2 0,0-3 0,-4-1 0,-3 0 0,0-2 0,-3 2 0,0-1 0,1-1 0,-1 0 0,2 0 0,1 1 0,2 1 0,3 3 0,2 0 0,1 4 0,2 0 0,1 1 0,1-1 0,0-1 0,0 1 0,0 2 0,3 3 0,4 2 0,0-2 0,-1 2 0,9 7 0,4 10 0,9 8 0,1 1 0,-5-4 0,-6-6 0,-4-4 0,-3-3 0,-3-4 0,-3-6 0,-1-5 0,-2-4 0,0-1 0,1-1 0,-1-1 0,0 0 0,-2-1 0,-1 1 0,-3-1 0,-2 0 0,0 0 0,-2-2 0,0 0 0,-2 0 0,0 0 0,0 0 0,-3 0 0,-1-1 0,-2 1 0,-1 1 0,-1 2 0,-1 0 0,2 1 0,0 2 0,1-1 0,3-1 0,0-1 0,0 0 0,-1-1 0,-3-2 0,-3 0 0</inkml:trace>
+</inkml:ink>
+</file>
+
+<file path=ppt/ink/ink12.xml><?xml version="1.0" encoding="utf-8"?>
+<inkml:ink xmlns:inkml="http://www.w3.org/2003/InkML">
+  <inkml:definitions>
+    <inkml:context xml:id="ctx0">
+      <inkml:inkSource xml:id="inkSrc0">
+        <inkml:traceFormat>
+          <inkml:channel name="X" type="integer" min="-2.14748E9" max="2.14748E9" units="cm"/>
+          <inkml:channel name="Y" type="integer" min="-2.14748E9" max="2.14748E9" units="cm"/>
+          <inkml:channel name="F" type="integer" max="32767" units="dev"/>
+        </inkml:traceFormat>
+        <inkml:channelProperties>
+          <inkml:channelProperty channel="X" name="resolution" value="1000" units="1/cm"/>
+          <inkml:channelProperty channel="Y" name="resolution" value="1000" units="1/cm"/>
+          <inkml:channelProperty channel="F" name="resolution" value="0" units="1/dev"/>
+        </inkml:channelProperties>
+      </inkml:inkSource>
+      <inkml:timestamp xml:id="ts0" timeString="2023-11-19T07:05:38.986"/>
+    </inkml:context>
+    <inkml:brush xml:id="br0">
+      <inkml:brushProperty name="width" value="0.05" units="cm"/>
+      <inkml:brushProperty name="height" value="0.05" units="cm"/>
+    </inkml:brush>
+  </inkml:definitions>
+  <inkml:trace contextRef="#ctx0" brushRef="#br0">577 1 24575,'0'22'0,"0"13"0,0 13 0,2 8 0,3-2 0,4-6 0,4-3 0,-1-9 0,1-7 0,-2-4 0,-3-5 0,0-2 0,-2-3 0,0-1 0,1-2 0,-2-1 0,-1-2 0,0-1 0,-1-1 0,-1 0 0,1 0 0,0-1 0,-3-2 0,-2-2 0,-6-4 0,-7 0 0,-6-1 0,-5 1 0,-4 2 0,-1 0 0,-5 0 0,-7 0 0,-6 0 0,-7 0 0,-2 0 0,-3 0 0,3 0 0,7 0 0,7 0 0,9 0 0,5 0 0,9 0 0,8 0 0,5 0 0,6 0 0,0 0 0</inkml:trace>
+</inkml:ink>
+</file>
+
+<file path=ppt/ink/ink13.xml><?xml version="1.0" encoding="utf-8"?>
+<inkml:ink xmlns:inkml="http://www.w3.org/2003/InkML">
+  <inkml:definitions>
+    <inkml:context xml:id="ctx0">
+      <inkml:inkSource xml:id="inkSrc0">
+        <inkml:traceFormat>
+          <inkml:channel name="X" type="integer" min="-2.14748E9" max="2.14748E9" units="cm"/>
+          <inkml:channel name="Y" type="integer" min="-2.14748E9" max="2.14748E9" units="cm"/>
+          <inkml:channel name="F" type="integer" max="32767" units="dev"/>
+        </inkml:traceFormat>
+        <inkml:channelProperties>
+          <inkml:channelProperty channel="X" name="resolution" value="1000" units="1/cm"/>
+          <inkml:channelProperty channel="Y" name="resolution" value="1000" units="1/cm"/>
+          <inkml:channelProperty channel="F" name="resolution" value="0" units="1/dev"/>
+        </inkml:channelProperties>
+      </inkml:inkSource>
+      <inkml:timestamp xml:id="ts0" timeString="2023-11-19T07:05:45.103"/>
+    </inkml:context>
+    <inkml:brush xml:id="br0">
+      <inkml:brushProperty name="width" value="0.05" units="cm"/>
+      <inkml:brushProperty name="height" value="0.05" units="cm"/>
+    </inkml:brush>
+  </inkml:definitions>
+  <inkml:trace contextRef="#ctx0" brushRef="#br0">1278 0 24575,'-10'46'0,"-6"7"0,-9 16 0,-5 4 0,-1-4 0,2-2 0,1-5 0,2-5 0,3-1 0,0-1 0,2 2 0,3 1 0,0 1 0,0-2 0,2 0 0,-2 2 0,1-3 0,1-4 0,1-7 0,3-9 0,3-7 0,2-9 0,1-11 0,4-13 0,-1 0 0,-3 14 0,-7 17 0,-8 20 0,-7 4 0,-5 0 0,-1 3 0,2 3 0,2 3 0,2 0 0,2-1 0,-2-4 0,3-4 0,4-6 0,4-9 0,5-7 0,1-6 0,0-1 0,0-1 0,3-1 0,1 1 0,0 0 0,0 0 0,0 0 0,-3 6 0,-1 9 0,-1 8 0,-2 2 0,1-5 0,0-1 0,4-2 0,1 3 0,1 0 0,-1-2 0,1-6 0,1-9 0,2-8 0,2-7 0,0-8 0,2-3 0,0 4 0,-2 13 0,-19 36 0,6-10 0,-15 20 0,11-28 0,0-1 0,0-1 0,1 1 0,-1 0 0,1-4 0,2-5 0,3-4 0,2-2 0,4-2 0,0-3 0,1-3 0,1-2 0,-1-1 0,2 0 0,0 0 0,0-1 0,1 0 0,-1 1 0,2 1 0,-2 1 0,-1 2 0,1-1 0,-2-1 0,6-2 0,9-3 0,19-1 0,23 5 0,13 6 0,7 5 0,-4 5 0,-4 3 0,0 3 0,1 0 0,-1 1 0,0-2 0,-1-1 0,-2 1 0,-4-4 0,-5-1 0,-7-2 0,-4-2 0,-4 0 0,-7-1 0,-4 0 0,-3-1 0,-2-1 0,2-1 0,0 1 0,0-2 0,1 1 0,-3-1 0,-1-1 0,1 0 0,2-2 0,1 1 0,2 0 0,0 0 0,3 1 0,5 1 0,3 3 0,4 2 0,3 2 0,2 1 0,2 3 0,0 2 0,-2 1 0,2 3 0,0 1 0,-2 0 0,2 0 0,-2-2 0,0 0 0,6 2 0,3 1 0,1-1 0,0-1 0,-4-3 0,-3-4 0,-1 0 0,-1-1 0,0 1 0,0 1 0,-1 0 0,-4 1 0,-1-1 0,-2 2 0,3-2 0,3 3 0,3 2 0,3 0 0,1 2 0,-1 0 0,1 1 0,1 1 0,1-2 0,-1-2 0,-5 1 0,-6-3 0,-5-3 0,-5-2 0,-5-6 0,-5-4 0,-4-4 0,-4-4 0,-5-3 0,-4-1 0</inkml:trace>
+</inkml:ink>
+</file>
+
+<file path=ppt/ink/ink14.xml><?xml version="1.0" encoding="utf-8"?>
 <inkml:ink xmlns:inkml="http://www.w3.org/2003/InkML">
   <inkml:definitions>
     <inkml:context xml:id="ctx0">
@@ -349,7 +457,7 @@
   <inkml:trace contextRef="#ctx0" brushRef="#br0" timeOffset="-169365.56">22661 3686 0,'25'0'31,"0"0"-16,-1 0 1,26 0 0,-25 0-16,0-25 0,0 25 15,25-25 17,-25 25-1</inkml:trace>
   <inkml:trace contextRef="#ctx0" brushRef="#br0" timeOffset="-168800.01">22735 3487 0,'25'0'141,"0"0"-125,0 0-1,0 0-15,-25-25 16,50 25-16,-25-25 15</inkml:trace>
   <inkml:trace contextRef="#ctx0" brushRef="#br0" timeOffset="-167675.87">23607 2964 0,'0'25'16,"25"-25"15,25-50 0,-50 25-31,0 0 16,50-25-16,-26 0 15,-24 1-15,50-51 16,-50 75-16,0-25 16,25 1-16,-25 24 15,0 0 1,0 50 140,0 0-140,0 49-16,0 1 15,0-25-15,0 0 16,0-26-16,25 1 16,-25 25-16,0-25 15,0 0-15,0 0 16,0 25-16,25-25 16,-25-1-1,0 1 16,0 0-15,0 0-16,25 0 16,-25 0-1,0 0 1,25 0 0,-25 0-16</inkml:trace>
-  <inkml:trace contextRef="#ctx0" brushRef="#br0" timeOffset="-167039.98">23582 3462 0,'50'0'62,"50"0"-46,-51 0 0,-24 0-16,75-25 0,-50 25 15,-1-25 1,1 25-16,-25 0 16,0 0-16,50-25 15,-75 0-15,25 25 16,0 0-16,0 0 15</inkml:trace>
+  <inkml:trace contextRef="#ctx0" brushRef="#br0" timeOffset="-167039.99">23582 3462 0,'50'0'62,"50"0"-46,-51 0 0,-24 0-16,75-25 0,-50 25 15,-1-25 1,1 25-16,-25 0 16,0 0-16,50-25 15,-75 0-15,25 25 16,0 0-16,0 0 15</inkml:trace>
   <inkml:trace contextRef="#ctx0" brushRef="#br0" timeOffset="-164617.72">23408 4059 0,'0'0'0,"25"25"16,25-25-16,-26 50 15,1-50-15,25 50 16,0 25-16,0-50 16,-25 24-16,0-24 15,-25 0-15,24 0 16,1 0-1,-25 0 1,25-25 78,-25-25-94,0-25 0,0 0 15,0 25-15,0-49 16,0 49 0,0-25-16,0 0 15,0 25-15,0-49 16,0 49-16,0-25 16,0 25-16,0 0 15,0 0-15,0 0 16,0 0-16,0 1 15,25-1-15,0-25 16,-25 25 0,25 0-16,0 0 15,0 0-15,0 25 16,0 0 0,-1 0-16,26 0 31,-25 0-31,0 0 15,25 0-15,-25 0 16,25 0-16,-1 0 16,-24 0-16,0 0 0,0 0 15,0 0 1,0 0-16</inkml:trace>
   <inkml:trace contextRef="#ctx0" brushRef="#br0" timeOffset="-163627.83">24080 3935 0,'0'0'0,"25"0"15,0 0-15,0-25 0,0 25 16,0 0 0,0 0-1,24 0 1,-24 0-1,0 0 1,-25 25 0,0 0-1,0 0-15,0 0 0,0 0 16,0 49 0,0-24-16,0-25 15,0 25-15,0-25 0,-25 24 16,-49 1-1,49-25-15,-25 0 16,0 0-16,25-25 16,-50 0-1,51 0-15,24-25 47,0 0-16,0-25-31,74-24 0,-49 74 16,0-25-16,25 0 16,-25 25 15,0 0-15,0 0-1,24 50-15,1-25 16,-50-1-16,0 1 15,50 0-15,-25 0 16,0-25 0,0 0-1,49 0-15,-24 0 16,0 0 0,-25 0-16,0-25 15,-25 0-15,0-24 16,0-1-1</inkml:trace>
   <inkml:trace contextRef="#ctx0" brushRef="#br0" timeOffset="-162837.37">24753 2516 0,'-50'0'79,"25"49"-64,0-24 1,0 100-16,25-100 15,0 49-15,0 26 16,0-25-16,0-1 16,0 1-16,0 25 15,0 24-15,75-24 16,-50-75-16,24 25 16,-49-26-16,25 1 15,0 0-15,0 0 31</inkml:trace>
@@ -363,7 +471,7 @@
   <inkml:trace contextRef="#ctx0" brushRef="#br0" timeOffset="-158390.6">28314 1968 0,'24'0'16,"1"0"-1,25 0-15,-25 0 16,0 0 0,0 0-16,0 25 15,0-25-15,24 49 0,1-24 31,-25 0-31,0-25 32,-25 25-32,0 0 15,25 0-15,-25 0 16,0 25-16,0-25 16,0 24-16,0-24 15,0 50-15,0-50 16,0 50-16,-25-26 15,25-24-15,0 0 16,0 0 0,0 0-16,0 0 15</inkml:trace>
   <inkml:trace contextRef="#ctx0" brushRef="#br0" timeOffset="-157774.12">29036 1569 0,'25'0'78,"-1"25"-78,-24 0 16,25 25 0,25-25-16,-25 49 0,0-24 15,0 0-15,-25 25 16,50-50-16,-50 49 16,0-24-1,0 25-15,0-25 16,0 49-16,0-24 15,0 50-15,0-51 16,0-49-16,-25 50 16,-25-25-16,50-25 15,-50-1-15,25 1 16,0-25 0</inkml:trace>
   <inkml:trace contextRef="#ctx0" brushRef="#br0" timeOffset="-156423.85">7371 8392 0,'0'50'47,"0"0"-31,0 25-16,0 24 15,0-24-15,0 0 16,0 49-16,0-99 15,0 100-15,0-100 16,0 74-16,0-74 31</inkml:trace>
-  <inkml:trace contextRef="#ctx0" brushRef="#br0" timeOffset="-155886.92">7072 9090 0,'25'0'47,"0"49"-31,0-24-16,0 0 15,0 0-15,0 0 16,-1-25 0,26 25-16,-25-25 15,0 0-15,0 0 16,0 0-16,0 0 15,0 0-15,0 0 16,-1 0 15,1 0-15,0 0-16,-25-50 16,0 0-16,0 25 0,25-49 15,25 24 1,-25-25-1</inkml:trace>
+  <inkml:trace contextRef="#ctx0" brushRef="#br0" timeOffset="-155886.93">7072 9090 0,'25'0'47,"0"49"-31,0-24-16,0 0 15,0 0-15,0 0 16,-1-25 0,26 25-16,-25-25 15,0 0-15,0 0 16,0 0-16,0 0 15,0 0-15,0 0 16,-1 0 15,1 0-15,0 0-16,-25-50 16,0 0-16,0 25 0,25-49 15,25 24 1,-25-25-1</inkml:trace>
   <inkml:trace contextRef="#ctx0" brushRef="#br0" timeOffset="-154664.52">5454 10982 0,'49'0'47,"-24"0"-31,0 0-16,50 0 15,-25 0-15,-25 0 0,-1 0 16,1 0-16,0 0 15,0 0-15,0 0 32</inkml:trace>
   <inkml:trace contextRef="#ctx0" brushRef="#br0" timeOffset="-154157.78">5454 10858 0,'24'0'47,"1"0"-47,0 0 16,0 0-16,0 0 15,0 0 1,0 0-16,25 0 16,-25 0-1,-1 0-15,1 0 16,25 0-16,-25 0 16,0 0-16,25-25 15</inkml:trace>
   <inkml:trace contextRef="#ctx0" brushRef="#br0" timeOffset="-153458.65">6475 10160 0,'0'50'63,"0"0"-48,0 25-15,0-1 16,0 26-16,0-25 15,0 24-15,0-74 16,0 50-16,0-25 16,0 24-16,0-24 15,0-25-15,0 25 16,0-25 0,0 0-16,0 0 15</inkml:trace>
@@ -372,7 +480,7 @@
   <inkml:trace contextRef="#ctx0" brushRef="#br0" timeOffset="-150862.02">9239 10285 0,'-25'0'15,"0"-25"1,0 0 0,0 25-16,0 0 15,-25 0-15,1 0 16,24 0-16,-25 0 15,0 0-15,0 0 16,-25 0-16,26 50 16,-1-25-1,0 25-15,25-25 16,-25-1-16,25 26 16,1-25-1,24 25-15,0-25 0,0 50 16,0-1-1,0-49-15,0 50 16,0-50-16,0 49 16,0-49-16,49 25 15,1 0 1,-25-50-16,25 25 16,0-25-16,-25 25 15,-1-25-15,51 0 16,0 0-1,-25 0-15,24 0 16,-24 0-16,0-25 0,25 0 16,-50 0-16,24 0 15,1 25-15,0-50 16,-25 25 0,-25-24-1,25 24-15,-25 0 16,0-25-16,25 0 15,-25 25-15,25 0 16,-25 1-16,0-1 16,0 0-16,0 0 15,0 0 1,0-25-16,-25 25 16,0-25-1,-25 1-15,25 49 16,-25 0-1,1 0-15,24 0 16</inkml:trace>
   <inkml:trace contextRef="#ctx0" brushRef="#br0" timeOffset="-150381.54">8541 10484 0,'25'0'16,"0"25"-1,25 0 1,0 0-16,0 74 16,24-74-16,-24 25 15,25 0-15,-25-50 16,-1 50-16,1-25 15,0-25-15,-25 25 16,0-1 0,0-24 31,0 0-32,0 0 1,-1 0-1</inkml:trace>
   <inkml:trace contextRef="#ctx0" brushRef="#br0" timeOffset="-149941.99">9363 10385 0,'-25'0'16,"0"0"-1,-49 24-15,49 26 16,-25 0-16,0-25 15,-25 25-15,26-25 16,-1 24-16,0 1 16,0 0-1,-25-25-15,51 25 16,-1-25-16,0 0 16,0-1-16,0-24 15</inkml:trace>
-  <inkml:trace contextRef="#ctx0" brushRef="#br0" timeOffset="-149312.45">10060 9936 0,'0'50'47,"0"-25"-31,0 25-16,0 25 15,0 24-15,0-24 16,0 49-16,0-24 16,0 24-16,0-49 15,0 25-15,0-26 16,0-24-16,0 0 16,0-25-16,0 25 15,0-25-15,0 0 16,0 0-1</inkml:trace>
+  <inkml:trace contextRef="#ctx0" brushRef="#br0" timeOffset="-149312.46">10060 9936 0,'0'50'47,"0"-25"-31,0 25-16,0 25 15,0 24-15,0-24 16,0 49-16,0-24 16,0 24-16,0-49 15,0 25-15,0-26 16,0-24-16,0 0 16,0-25-16,0 25 15,0-25-15,0 0 16,0 0-1</inkml:trace>
   <inkml:trace contextRef="#ctx0" brushRef="#br0" timeOffset="-148575.85">10783 10409 0,'0'0'0,"0"-24"62,-25 24-46,0 0-16,0 0 16,0 0-16,0 0 15,0 0 1,-25 0 15,1 24-15,49 26-16,-25 25 15,25-25-15,0-25 0,0 49 16,0-49-16,0 25 16,0-25-1,0 25 1,25-25 0,49-25-16,-49 0 15,25 0-15,-25 0 16,0 0-16,0 0 15,0-25-15,-1 0 16,1 0 0,0 0-16,0-25 15,0 25 1,0-24-16,-25 24 16,0-25-16,0 25 15,0 0 1,0 0-1,0 0 1,-25 0 0,0 25-1,0 0-15,-25 0 16</inkml:trace>
   <inkml:trace contextRef="#ctx0" brushRef="#br0" timeOffset="-147802.04">11281 10011 0,'24'0'32,"51"50"-17,-50-25 1,75 49-16,-75-24 15,24 0-15,-24-25 16,50 25-16,-25 0 16,25-1-16,-51-24 0,26 0 15,-25 0 1,0 0-16,0 0 16,-25 0 46,0 0-46,0 49-16,0-49 15,-25 25 1,-50 25-16,26-1 0,-26 1 16,25-50-16,25 0 15,-50 25-15,51-50 78,-1 0-62,0 0 0</inkml:trace>
   <inkml:trace contextRef="#ctx0" brushRef="#br0" timeOffset="-142803.55">3636 13373 0,'74'0'94,"-49"0"-94,25 0 16,50 0-16,-1 0 15,-49 0 1,25 25-16,0-25 0,24 25 15,26-25-15,-26 0 16,1 0-16,-1 0 16,-24 0-16,-50 24 15,25-24 1,0 0-16,24 25 16,-24-25-16,25 0 15,25 0-15,-26 0 16,1 0-16,0 0 15,-50 0-15,-1 0 16,1 0-16,0 0 16</inkml:trace>
@@ -389,7 +497,7 @@
   <inkml:trace contextRef="#ctx0" brushRef="#br0" timeOffset="-134726.52">7321 14568 0,'75'25'266,"-50"0"-266,25 25 16,-1-50-16,1 49 0,-25-24 15,0 0-15,0 0 16,0 25-16,-25-25 15,50 50 1,-50-26-16,0-24 16,0 25-16,0-25 15,0 0-15,0-75 63,0-49-48,0 49-15,0-50 16,0 75-16,0-74 16,0 24-16,0-25 15,0 1-15,0 74 16,0 0-16,0 0 16,0 0 62,74 25-63,-49 0-15,50 0 16,-25 0-16,49 0 16,-74 0-16,25-50 15,0 50-15</inkml:trace>
   <inkml:trace contextRef="#ctx0" brushRef="#br0" timeOffset="-134139.66">7919 14593 0,'75'0'16,"-51"0"-1,1 0-15,0 0 0,0 0 32,0 0-32,-25 25 15,0 0 1,0 0 0,0 49-16,0-24 15,0-25-15,0 25 0,0 0 16,-50 0-1,0-1-15,1 1 0,24-50 16,0 25 0,25 0-16,50-25 62,24 0-46,26 0-16,-25 0 15,-26 0-15,51 0 16,25 0 0,-1 0-16,25 0 15,-49 0-15,-25 0 0,-50 0 16</inkml:trace>
   <inkml:trace contextRef="#ctx0" brushRef="#br0" timeOffset="-133424.15">8716 13049 0,'-50'25'31,"-50"50"-15,50-1-1,-24 1-15,24-25 16,-25 49-16,25-49 15,1 50-15,-1 0 16,25-26-16,0 26 16,25-1-16,0 1 15,0 0-15,0-1 16,25-24-16,25 49 16,0-49-16,-26-50 15,1 0-15,0 0 16,0 0-1,0-25-15,0 0 16,0 0 15,0 0 1</inkml:trace>
-  <inkml:trace contextRef="#ctx0" brushRef="#br0" timeOffset="-132923.45">8741 13647 0,'0'50'47,"24"24"-32,-24 1-15,0 0 16,25 24-16,0 1 16,-25-25-16,25 49 15,-25-74-15,0 0 16,25-50-16,-25 25 15,25-25 64</inkml:trace>
+  <inkml:trace contextRef="#ctx0" brushRef="#br0" timeOffset="-132923.46">8741 13647 0,'0'50'47,"24"24"-32,-24 1-15,0 0 16,25 24-16,0 1 16,-25-25-16,25 49 15,-25-74-15,0 0 16,25-50-16,-25 25 15,25-25 64</inkml:trace>
   <inkml:trace contextRef="#ctx0" brushRef="#br0" timeOffset="-132394.31">9363 13746 0,'-25'0'47,"-25"50"-31,50-25-16,-49 25 15,49 0-15,0 24 16,-25 1-16,25-25 0,0 0 15,0-1 1,0-24-16,0 25 16,50-50-1,-26 0 1,1 0-16,0 0 16,0 0-16,0 0 15,0 0-15,-25-25 16,25-25-16,-25 26 15,75-26 1,-75 0-16,0 25 16,0-25-16,0 25 15,0-24-15,0 24 0,0 0 16,-25 0 0,0 25-1,0-25 1,0 25-16</inkml:trace>
   <inkml:trace contextRef="#ctx0" brushRef="#br0" timeOffset="-131769.58">9338 13423 0,'25'0'16,"0"0"0,25 49-16,-50-24 15,50 25-15,-1 0 16,-24-25-16,50 25 16,-25-25-16,25-1 15,-51-24-15,26 0 16,-25 25-1,0-25 32,-25 25-31,0 50 0,0-25-16,0 0 15,-25 49-15,0 1 16,-49-1-16,49 1 15,0-25-15,0-26 16,0 1-16,25-25 31</inkml:trace>
   <inkml:trace contextRef="#ctx0" brushRef="#br0" timeOffset="-131402.12">9961 13995 0,'25'0'16,"24"0"-16,-24 0 0,50-25 16,-25 25-16,0 0 15,0-49 1,-1 24-16,-24 25 15,0 0 1,0 0 0,25 0-1,-25-25 48</inkml:trace>
@@ -511,6 +619,303 @@
 </inkml:ink>
 </file>
 
+<file path=ppt/ink/ink15.xml><?xml version="1.0" encoding="utf-8"?>
+<inkml:ink xmlns:inkml="http://www.w3.org/2003/InkML">
+  <inkml:definitions>
+    <inkml:context xml:id="ctx0">
+      <inkml:inkSource xml:id="inkSrc0">
+        <inkml:traceFormat>
+          <inkml:channel name="X" type="integer" min="-2.14748E9" max="2.14748E9" units="cm"/>
+          <inkml:channel name="Y" type="integer" min="-2.14748E9" max="2.14748E9" units="cm"/>
+          <inkml:channel name="F" type="integer" max="32767" units="dev"/>
+        </inkml:traceFormat>
+        <inkml:channelProperties>
+          <inkml:channelProperty channel="X" name="resolution" value="1000" units="1/cm"/>
+          <inkml:channelProperty channel="Y" name="resolution" value="1000" units="1/cm"/>
+          <inkml:channelProperty channel="F" name="resolution" value="0" units="1/dev"/>
+        </inkml:channelProperties>
+      </inkml:inkSource>
+      <inkml:timestamp xml:id="ts0" timeString="2023-11-19T07:10:48.636"/>
+    </inkml:context>
+    <inkml:brush xml:id="br0">
+      <inkml:brushProperty name="width" value="0.05" units="cm"/>
+      <inkml:brushProperty name="height" value="0.05" units="cm"/>
+    </inkml:brush>
+  </inkml:definitions>
+  <inkml:trace contextRef="#ctx0" brushRef="#br0">9 0 24575,'-4'6'0,"1"3"0,2 2 0,1-1 0,0-2 0,0-5 0</inkml:trace>
+</inkml:ink>
+</file>
+
+<file path=ppt/ink/ink16.xml><?xml version="1.0" encoding="utf-8"?>
+<inkml:ink xmlns:inkml="http://www.w3.org/2003/InkML">
+  <inkml:definitions>
+    <inkml:context xml:id="ctx0">
+      <inkml:inkSource xml:id="inkSrc0">
+        <inkml:traceFormat>
+          <inkml:channel name="X" type="integer" min="-2.14748E9" max="2.14748E9" units="cm"/>
+          <inkml:channel name="Y" type="integer" min="-2.14748E9" max="2.14748E9" units="cm"/>
+          <inkml:channel name="F" type="integer" max="32767" units="dev"/>
+        </inkml:traceFormat>
+        <inkml:channelProperties>
+          <inkml:channelProperty channel="X" name="resolution" value="1000" units="1/cm"/>
+          <inkml:channelProperty channel="Y" name="resolution" value="1000" units="1/cm"/>
+          <inkml:channelProperty channel="F" name="resolution" value="0" units="1/dev"/>
+        </inkml:channelProperties>
+      </inkml:inkSource>
+      <inkml:timestamp xml:id="ts0" timeString="2023-11-19T07:10:52.072"/>
+    </inkml:context>
+    <inkml:brush xml:id="br0">
+      <inkml:brushProperty name="width" value="0.05" units="cm"/>
+      <inkml:brushProperty name="height" value="0.05" units="cm"/>
+    </inkml:brush>
+  </inkml:definitions>
+  <inkml:trace contextRef="#ctx0" brushRef="#br0">0 1 24575,'0'0'0</inkml:trace>
+</inkml:ink>
+</file>
+
+<file path=ppt/ink/ink17.xml><?xml version="1.0" encoding="utf-8"?>
+<inkml:ink xmlns:inkml="http://www.w3.org/2003/InkML">
+  <inkml:definitions>
+    <inkml:context xml:id="ctx0">
+      <inkml:inkSource xml:id="inkSrc0">
+        <inkml:traceFormat>
+          <inkml:channel name="X" type="integer" min="-2.14748E9" max="2.14748E9" units="cm"/>
+          <inkml:channel name="Y" type="integer" min="-2.14748E9" max="2.14748E9" units="cm"/>
+          <inkml:channel name="F" type="integer" max="32767" units="dev"/>
+        </inkml:traceFormat>
+        <inkml:channelProperties>
+          <inkml:channelProperty channel="X" name="resolution" value="1000" units="1/cm"/>
+          <inkml:channelProperty channel="Y" name="resolution" value="1000" units="1/cm"/>
+          <inkml:channelProperty channel="F" name="resolution" value="0" units="1/dev"/>
+        </inkml:channelProperties>
+      </inkml:inkSource>
+      <inkml:timestamp xml:id="ts0" timeString="2023-11-19T07:11:41.207"/>
+    </inkml:context>
+    <inkml:brush xml:id="br0">
+      <inkml:brushProperty name="width" value="0.05" units="cm"/>
+      <inkml:brushProperty name="height" value="0.05" units="cm"/>
+    </inkml:brush>
+  </inkml:definitions>
+  <inkml:trace contextRef="#ctx0" brushRef="#br0">1 0 24575,'0'0'0</inkml:trace>
+</inkml:ink>
+</file>
+
+<file path=ppt/ink/ink2.xml><?xml version="1.0" encoding="utf-8"?>
+<inkml:ink xmlns:inkml="http://www.w3.org/2003/InkML">
+  <inkml:definitions>
+    <inkml:context xml:id="ctx0">
+      <inkml:inkSource xml:id="inkSrc0">
+        <inkml:traceFormat>
+          <inkml:channel name="X" type="integer" min="-2.14748E9" max="2.14748E9" units="cm"/>
+          <inkml:channel name="Y" type="integer" min="-2.14748E9" max="2.14748E9" units="cm"/>
+          <inkml:channel name="F" type="integer" max="32767" units="dev"/>
+        </inkml:traceFormat>
+        <inkml:channelProperties>
+          <inkml:channelProperty channel="X" name="resolution" value="1000" units="1/cm"/>
+          <inkml:channelProperty channel="Y" name="resolution" value="1000" units="1/cm"/>
+          <inkml:channelProperty channel="F" name="resolution" value="0" units="1/dev"/>
+        </inkml:channelProperties>
+      </inkml:inkSource>
+      <inkml:timestamp xml:id="ts0" timeString="2023-11-19T07:05:06.822"/>
+    </inkml:context>
+    <inkml:brush xml:id="br0">
+      <inkml:brushProperty name="width" value="0.05" units="cm"/>
+      <inkml:brushProperty name="height" value="0.05" units="cm"/>
+    </inkml:brush>
+  </inkml:definitions>
+  <inkml:trace contextRef="#ctx0" brushRef="#br0">0 0 24575,'0'27'0,"0"66"0,0-18 0,0-9 0,0 2 0,0 24 0,0-5 0,0 1 0,0-10 0,0 3 0,0 6 0,0 4 0,0 9 0,0-47 0,1-1 0,0 2 0,2-1 0,4 46 0,2-9 0,1-15 0,-1-10 0,-1-4 0,2-1 0,0 2 0,2 1 0,2-3 0,-1-4 0,-1-5 0,-3-5 0,0-6 0,-3-7 0,-1-8 0,-2-9 0,0-5 0,-1-5 0,0-4 0,-2 0 0</inkml:trace>
+</inkml:ink>
+</file>
+
+<file path=ppt/ink/ink3.xml><?xml version="1.0" encoding="utf-8"?>
+<inkml:ink xmlns:inkml="http://www.w3.org/2003/InkML">
+  <inkml:definitions>
+    <inkml:context xml:id="ctx0">
+      <inkml:inkSource xml:id="inkSrc0">
+        <inkml:traceFormat>
+          <inkml:channel name="X" type="integer" min="-2.14748E9" max="2.14748E9" units="cm"/>
+          <inkml:channel name="Y" type="integer" min="-2.14748E9" max="2.14748E9" units="cm"/>
+          <inkml:channel name="F" type="integer" max="32767" units="dev"/>
+        </inkml:traceFormat>
+        <inkml:channelProperties>
+          <inkml:channelProperty channel="X" name="resolution" value="1000" units="1/cm"/>
+          <inkml:channelProperty channel="Y" name="resolution" value="1000" units="1/cm"/>
+          <inkml:channelProperty channel="F" name="resolution" value="0" units="1/dev"/>
+        </inkml:channelProperties>
+      </inkml:inkSource>
+      <inkml:timestamp xml:id="ts0" timeString="2023-11-19T07:05:10.220"/>
+    </inkml:context>
+    <inkml:brush xml:id="br0">
+      <inkml:brushProperty name="width" value="0.05" units="cm"/>
+      <inkml:brushProperty name="height" value="0.05" units="cm"/>
+    </inkml:brush>
+  </inkml:definitions>
+  <inkml:trace contextRef="#ctx0" brushRef="#br0">0 0 24575,'28'0'0,"17"6"0,26 8 0,22 11 0,-39-7 0,2 1 0,9 4 0,2 2 0,8 3 0,2 2 0,8 4 0,1 1 0,-1 1 0,1 1 0,0 2 0,0 0 0,1 2 0,0 0 0,-1 0 0,0-1 0,-3-2 0,-1-1 0,-6-2 0,0-2 0,-6-2 0,0-1 0,-4-1 0,0 0 0,0 1 0,1 0 0,-1-1 0,1 1 0,-1-2 0,0 1 0,1 1 0,2-1 0,-1-1 0,0-1 0,-3-2 0,-2 0 0,-1-1 0,-1-2 0,-6 0 0,0-2 0,-5 0 0,-1 0 0,0-1 0,1 1 0,-1-1 0,1 1 0,2-1 0,1 0 0,0 1 0,1 0 0,0 0 0,-1 1 0,-1-1 0,-1 0 0,-2 1 0,-2 0 0,35 18 0,-21-10 0,-6-2 0,-2-3 0,2-1 0,3 2 0,-10-5 0,0 0 0,0 2 0,5 1 0,0 0 0,0-1 0,-4-4 0,-9-2 0,-9-6 0,-8-3 0,-7-3 0,-6-2 0,-13-1 0,-18-3 0,-18-2 0,-20-5 0,-31-6 0,34 6 0,-4-1 0,-11-3 0,-5-1 0,-9 0 0,-2-1 0,21 4 0,0 0 0,-2-1-232,-6-2 0,-1-1 1,0 0 231,-1-1 0,1 1 0,0-1 0,1 1 0,1-1 0,1 0 0,-26-5 0,4 3-85,10 3 0,2 2 85,7 4 0,2 2 0,10 2 0,2 2 0,5 1 0,1 2 0,-42 0 0,9 0 689,11 0-689,7 0 176,3 0-176,1 2 0,-1 4 0,-2 3 0,1 4 0,-2-1 0,0-1 0,-1 3 0,1 0 0,5-1 0,5 0 0,7-4 0,6-1 0,3-1 0,3-1 0,4 0 0,-1 0 0,-1 0 0,-2-1 0,-3-2 0,0-1 0,-3-2 0,-1 0 0,-3 1 0,-2 1 0,-1 1 0,-1 2 0,1-1 0,-1-2 0,-2 0 0,-4 0 0,1 1 0,5 2 0,10 2 0,11-2 0,9 2 0,7-3 0,6-2 0,3 0 0,3-2 0,4 0 0,0 0 0</inkml:trace>
+</inkml:ink>
+</file>
+
+<file path=ppt/ink/ink4.xml><?xml version="1.0" encoding="utf-8"?>
+<inkml:ink xmlns:inkml="http://www.w3.org/2003/InkML">
+  <inkml:definitions>
+    <inkml:context xml:id="ctx0">
+      <inkml:inkSource xml:id="inkSrc0">
+        <inkml:traceFormat>
+          <inkml:channel name="X" type="integer" min="-2.14748E9" max="2.14748E9" units="cm"/>
+          <inkml:channel name="Y" type="integer" min="-2.14748E9" max="2.14748E9" units="cm"/>
+          <inkml:channel name="F" type="integer" max="32767" units="dev"/>
+        </inkml:traceFormat>
+        <inkml:channelProperties>
+          <inkml:channelProperty channel="X" name="resolution" value="1000" units="1/cm"/>
+          <inkml:channelProperty channel="Y" name="resolution" value="1000" units="1/cm"/>
+          <inkml:channelProperty channel="F" name="resolution" value="0" units="1/dev"/>
+        </inkml:channelProperties>
+      </inkml:inkSource>
+      <inkml:timestamp xml:id="ts0" timeString="2023-11-19T07:05:28.956"/>
+    </inkml:context>
+    <inkml:brush xml:id="br0">
+      <inkml:brushProperty name="width" value="0.05" units="cm"/>
+      <inkml:brushProperty name="height" value="0.05" units="cm"/>
+    </inkml:brush>
+  </inkml:definitions>
+  <inkml:trace contextRef="#ctx0" brushRef="#br0">210 0 24575,'0'65'0,"0"-1"0,0 35 0,-1-6 0,0 5 0,0-19 0,-2-3 0,0-4 0,-2-1 0,-2 4 0,-1-2 0,0-11 0,-1 0 0,-2-2 0,-1 0 0,0 1 0,0 0 0,-1-3 0,0-1 0,1-3 0,-1-1 0,-8 44 0,3-4 0,5 5 0,8-45 0,2 0 0,0 2 0,2 1 0,0 0 0,1 1 0,0-2 0,0 1 0,0-2 0,0 0 0,0 0 0,0 0 0,0 0 0,1-1 0,2 47 0,6-11 0,4-10 0,2-11 0,0-6 0,-2-7 0,0-9 0,-2-7 0,-3-5 0,-2-3 0,1-2 0,-1-1 0,0-1 0,0-1 0,0-1 0,1-1 0,-1 1 0,0 3 0,-1 4 0,1 3 0,0 3 0,3-2 0,3-1 0,0-2 0,2 0 0,-3-2 0,0-1 0,-1-4 0,-2-3 0,-2-5 0,0-7 0,0-4 0,-1-5 0,1-2 0,-2 2 0,-1 5 0,-2 15 0,-1 17 0,1 8 0,2-6 0,-1-11 0,1-10 0,-1-4 0,2 1 0,1-1 0,-1-1 0,1 0 0,-1 2 0,1 1 0,-1 1 0,0 1 0,0 0 0,0-5 0,-2-4 0,2-4 0,-2 0 0,2 1 0,0 1 0,0-1 0,4-4 0,9-2 0,29-2 0,36 0 0,-25 1 0,3 0 0,9 2 0,2 1 0,6 3 0,1 0 0,1 2 0,0 0 0,-2 1 0,-1 0 0,2 0 0,-2 0 0,-4-2 0,-1 1 0,-3-1 0,0 0 0,-3-3 0,0 1 0,-7-1 0,-2 0 0,43 1 0,-7-2 0,-8-2 0,-2-2 0,-2 0 0,-3 0 0,-4 0 0,-8 0 0,-11 0 0,-9 0 0,-5 0 0,-4 0 0,-1 0 0,1 0 0,0 0 0,4 0 0,3-2 0,5-1 0,6-4 0,4-3 0,7 0 0,1-1 0,-1 3 0,-2 2 0,-5 3 0,-4 0 0,-1 1 0,1-1 0,4 1 0,6 2 0,7 0 0,5 0 0,1 0 0,4 0 0,1 0 0,3 0 0,-1 0 0,-3 0 0,3 0 0,0 0 0,1-3 0,2 0 0,-4 1 0,-3-3 0,-2 1 0,-4-2 0,-5 1 0,-2 2 0,-7 2 0,-3 1 0,-1 0 0,1 0 0,4 0 0,2 3 0,3 6 0,2 3 0,2 5 0,-3 1 0,-9-1 0,-12-2 0,-14-3 0,-8-2 0,-10-2 0,-5 1-1696,-5-1 0,-4-3 0,0-2 0</inkml:trace>
+</inkml:ink>
+</file>
+
+<file path=ppt/ink/ink5.xml><?xml version="1.0" encoding="utf-8"?>
+<inkml:ink xmlns:inkml="http://www.w3.org/2003/InkML">
+  <inkml:definitions>
+    <inkml:context xml:id="ctx0">
+      <inkml:inkSource xml:id="inkSrc0">
+        <inkml:traceFormat>
+          <inkml:channel name="X" type="integer" min="-2.14748E9" max="2.14748E9" units="cm"/>
+          <inkml:channel name="Y" type="integer" min="-2.14748E9" max="2.14748E9" units="cm"/>
+          <inkml:channel name="F" type="integer" max="32767" units="dev"/>
+        </inkml:traceFormat>
+        <inkml:channelProperties>
+          <inkml:channelProperty channel="X" name="resolution" value="1000" units="1/cm"/>
+          <inkml:channelProperty channel="Y" name="resolution" value="1000" units="1/cm"/>
+          <inkml:channelProperty channel="F" name="resolution" value="0" units="1/dev"/>
+        </inkml:channelProperties>
+      </inkml:inkSource>
+      <inkml:timestamp xml:id="ts0" timeString="2023-11-19T07:05:30.774"/>
+    </inkml:context>
+    <inkml:brush xml:id="br0">
+      <inkml:brushProperty name="width" value="0.05" units="cm"/>
+      <inkml:brushProperty name="height" value="0.05" units="cm"/>
+    </inkml:brush>
+  </inkml:definitions>
+  <inkml:trace contextRef="#ctx0" brushRef="#br0">173 0 24575,'0'14'0,"9"19"0,17 28 0,21 21 0,-18-35 0,3-1 0,0-2 0,0-2 0,23 26 0,-10-14 0,-11-15 0,-7-13 0,-6-9 0,-6-10 0,-7-5 0,-5-6 0,-3-5 0,-4-4 0,-9-3 0,-7-1 0,-10 2 0,-4 4 0,-4 5 0,-6 4 0,-5 2 0,-8 4 0,-3 6 0,1 6 0,7 4 0,10-3 0,12-3 0,9-3 0,3-1 0,9-5 0,2 1 0</inkml:trace>
+</inkml:ink>
+</file>
+
+<file path=ppt/ink/ink6.xml><?xml version="1.0" encoding="utf-8"?>
+<inkml:ink xmlns:inkml="http://www.w3.org/2003/InkML">
+  <inkml:definitions>
+    <inkml:context xml:id="ctx0">
+      <inkml:inkSource xml:id="inkSrc0">
+        <inkml:traceFormat>
+          <inkml:channel name="X" type="integer" min="-2.14748E9" max="2.14748E9" units="cm"/>
+          <inkml:channel name="Y" type="integer" min="-2.14748E9" max="2.14748E9" units="cm"/>
+          <inkml:channel name="F" type="integer" max="32767" units="dev"/>
+        </inkml:traceFormat>
+        <inkml:channelProperties>
+          <inkml:channelProperty channel="X" name="resolution" value="1000" units="1/cm"/>
+          <inkml:channelProperty channel="Y" name="resolution" value="1000" units="1/cm"/>
+          <inkml:channelProperty channel="F" name="resolution" value="0" units="1/dev"/>
+        </inkml:channelProperties>
+      </inkml:inkSource>
+      <inkml:timestamp xml:id="ts0" timeString="2023-11-19T07:05:33.270"/>
+    </inkml:context>
+    <inkml:brush xml:id="br0">
+      <inkml:brushProperty name="width" value="0.05" units="cm"/>
+      <inkml:brushProperty name="height" value="0.05" units="cm"/>
+    </inkml:brush>
+  </inkml:definitions>
+  <inkml:trace contextRef="#ctx0" brushRef="#br0">1023 582 24575,'-3'-21'0,"-11"-13"0,-19-23 0,-22-15 0,21 30 0,-1 0 0,-1 1 0,0-1 0,-27-33 0,13 15 0,15 18 0,12 16 0,10 12 0,4 7 0,3 2 0,0 3 0,1 3 0,1 5 0,0 5 0,-2 8 0,-5 8 0,-7 6 0,-3 3 0,-3 4 0,-2 1 0,1-2 0,0-6 0,4-12 0,-1-4 0,1-2 0,0 1 0,-1-1 0,6-2 0,-1-2 0,-3 2 0,-4 0 0,-6-2 0,-3 2 0,-2-1 0,0 0 0,3 1 0,8-4 0,7-3 0,8-3 0,6-3 0</inkml:trace>
+</inkml:ink>
+</file>
+
+<file path=ppt/ink/ink7.xml><?xml version="1.0" encoding="utf-8"?>
+<inkml:ink xmlns:inkml="http://www.w3.org/2003/InkML">
+  <inkml:definitions>
+    <inkml:context xml:id="ctx0">
+      <inkml:inkSource xml:id="inkSrc0">
+        <inkml:traceFormat>
+          <inkml:channel name="X" type="integer" min="-2.14748E9" max="2.14748E9" units="cm"/>
+          <inkml:channel name="Y" type="integer" min="-2.14748E9" max="2.14748E9" units="cm"/>
+          <inkml:channel name="F" type="integer" max="32767" units="dev"/>
+        </inkml:traceFormat>
+        <inkml:channelProperties>
+          <inkml:channelProperty channel="X" name="resolution" value="1000" units="1/cm"/>
+          <inkml:channelProperty channel="Y" name="resolution" value="1000" units="1/cm"/>
+          <inkml:channelProperty channel="F" name="resolution" value="0" units="1/dev"/>
+        </inkml:channelProperties>
+      </inkml:inkSource>
+      <inkml:timestamp xml:id="ts0" timeString="2023-11-19T07:05:13.585"/>
+    </inkml:context>
+    <inkml:brush xml:id="br0">
+      <inkml:brushProperty name="width" value="0.05" units="cm"/>
+      <inkml:brushProperty name="height" value="0.05" units="cm"/>
+    </inkml:brush>
+  </inkml:definitions>
+  <inkml:trace contextRef="#ctx0" brushRef="#br0">389 445 24575,'30'-26'0,"-4"4"0,19-19 0,-14 10 0,-6 5 0,-8 1 0,-9 1 0,-4 0 0,-4-4 0,0 1 0,0 1 0,0 4 0,0 4 0,0 3 0,0-1 0,-2 2 0,-3-1 0,-2 3 0,-2 1 0,-1 3 0,-4 2 0,-3 1 0,-3 3 0,-2 1 0,-5 1 0,-4 0 0,-4 0 0,-4 0 0,1 0 0,1 0 0,4 0 0,3 0 0,6 0 0,0 0 0,4 0 0,2 0 0,1 1 0,6 2 0,1 6 0,1 1 0,1 4 0,1 2 0,1 1 0,2 6 0,-1 1 0,0 4 0,0 1 0,-2 3 0,1 0 0,0 2 0,2-1 0,2-5 0,1-3 0,1-5 0,0-3 0,0-3 0,0-3 0,0-2 0,0-4 0,0 0 0,2 0 0,2-1 0,3 0 0,3 0 0,2 0 0,1-1 0,1-1 0,1-2 0,0 0 0,3 0 0,-1 0 0,0 0 0,0 0 0,0 0 0,1 0 0,-1 0 0,2 0 0,0 0 0,-3 0 0,-7 0 0,-6 0 0</inkml:trace>
+</inkml:ink>
+</file>
+
+<file path=ppt/ink/ink8.xml><?xml version="1.0" encoding="utf-8"?>
+<inkml:ink xmlns:inkml="http://www.w3.org/2003/InkML">
+  <inkml:definitions>
+    <inkml:context xml:id="ctx0">
+      <inkml:inkSource xml:id="inkSrc0">
+        <inkml:traceFormat>
+          <inkml:channel name="X" type="integer" min="-2.14748E9" max="2.14748E9" units="cm"/>
+          <inkml:channel name="Y" type="integer" min="-2.14748E9" max="2.14748E9" units="cm"/>
+          <inkml:channel name="F" type="integer" max="32767" units="dev"/>
+        </inkml:traceFormat>
+        <inkml:channelProperties>
+          <inkml:channelProperty channel="X" name="resolution" value="1000" units="1/cm"/>
+          <inkml:channelProperty channel="Y" name="resolution" value="1000" units="1/cm"/>
+          <inkml:channelProperty channel="F" name="resolution" value="0" units="1/dev"/>
+        </inkml:channelProperties>
+      </inkml:inkSource>
+      <inkml:timestamp xml:id="ts0" timeString="2023-11-19T07:05:16.302"/>
+    </inkml:context>
+    <inkml:brush xml:id="br0">
+      <inkml:brushProperty name="width" value="0.05" units="cm"/>
+      <inkml:brushProperty name="height" value="0.05" units="cm"/>
+    </inkml:brush>
+  </inkml:definitions>
+  <inkml:trace contextRef="#ctx0" brushRef="#br0">330 1 24575,'-18'0'0,"-8"1"0,-10 4 0,-3 3 0,6-1 0,-1 2 0,5-2 0,2 2 0,4 3 0,10-1 0,7 1 0,2 1 0,0 1 0,0 1 0,-3 1 0,2 1 0,-1 3 0,0 2 0,2 1 0,1 1 0,1-2 0,1-2 0,1 0 0,0-1 0,0 2 0,0 2 0,0-1 0,1-2 0,3-2 0,2-2 0,2-4 0,0-6 0,1-3 0,1-3 0,1 2 0,1 0 0,3 1 0,-2-2 0,2-1 0,0 0 0,1 0 0,1 0 0,2 0 0,1 0 0,2 2 0,0 1 0,-1 1 0,-2 0 0,-1-1 0,-1-1 0,0-2 0,-3 0 0,-1 0 0,-2 0 0,-2 0 0,1-3 0,0-2 0,-1-3 0,1-1 0,-2 1 0,-1 0 0,-1-1 0,-1 1 0,-2-1 0,-2-1 0,0 0 0,-1 0 0,0 2 0,1 1 0,1-2 0,0-1 0,0-1 0,-1-3 0,-1-2 0,0-4 0,0 0 0,0-3 0,0 0 0,0 0 0,0-1 0,0 1 0,0 0 0,0 1 0,0 1 0,0 2 0,0-1 0,0 1 0,0 2 0,0 3 0,0 8 0,0 1 0</inkml:trace>
+</inkml:ink>
+</file>
+
+<file path=ppt/ink/ink9.xml><?xml version="1.0" encoding="utf-8"?>
+<inkml:ink xmlns:inkml="http://www.w3.org/2003/InkML">
+  <inkml:definitions>
+    <inkml:context xml:id="ctx0">
+      <inkml:inkSource xml:id="inkSrc0">
+        <inkml:traceFormat>
+          <inkml:channel name="X" type="integer" min="-2.14748E9" max="2.14748E9" units="cm"/>
+          <inkml:channel name="Y" type="integer" min="-2.14748E9" max="2.14748E9" units="cm"/>
+          <inkml:channel name="F" type="integer" max="32767" units="dev"/>
+        </inkml:traceFormat>
+        <inkml:channelProperties>
+          <inkml:channelProperty channel="X" name="resolution" value="1000" units="1/cm"/>
+          <inkml:channelProperty channel="Y" name="resolution" value="1000" units="1/cm"/>
+          <inkml:channelProperty channel="F" name="resolution" value="0" units="1/dev"/>
+        </inkml:channelProperties>
+      </inkml:inkSource>
+      <inkml:timestamp xml:id="ts0" timeString="2023-11-19T07:05:20.538"/>
+    </inkml:context>
+    <inkml:brush xml:id="br0">
+      <inkml:brushProperty name="width" value="0.05" units="cm"/>
+      <inkml:brushProperty name="height" value="0.05" units="cm"/>
+    </inkml:brush>
+  </inkml:definitions>
+  <inkml:trace contextRef="#ctx0" brushRef="#br0">2294 1509 24575,'30'0'0,"6"2"0,18 5 0,25 7 0,6 8 0,7-3 0,-14-5 0,-25-8 0,-17-6 0,-11 0 0,-10-2 0,-7-6 0,-5-9 0,-3-13 0,0-13 0,3-11 0,-1-3 0,1 3 0,-1 6 0,-2 10 0,0 9 0,0 9 0,0 7 0,0 6 0,-2 2 0,-4-3 0,-8-4 0,-7-5 0,-8-4 0,-4-3 0,-1 3 0,0 2 0,2 3 0,6 6 0,7 1 0,5 4 0,6 0 0,2-2 0,0-2 0,2-6 0,-1-10 0,-5-13 0,-1-12 0,-5-11 0,-3-2 0,1 4 0,3 12 0,3 14 0,4 13 0,2 10 0,1 4 0,-1 1 0,-3-2 0,-5-1 0,-5-1 0,-7-3 0,-8-2 0,-7-4 0,-6-1 0,-7-7 0,-6-4 0,-8-6 0,-7-5 0,1-1 0,4 2 0,4 3 0,5 4 0,6 8 0,6 6 0,6 5 0,4 4 0,-2 0 0,-3 0 0,-4-3 0,-6 0 0,-3-2 0,1-1 0,3 3 0,7 1 0,7 5 0,8 4 0,5 2 0,8 1 0,6 1 0,3 3 0,1 3 0,-6 3 0,-9 2 0,-11-1 0,-11 1 0,-7 0 0,-7 3 0,0 1 0,1 0 0,9 0 0,12-5 0,7-3 0,8-4 0,1-2 0,-5-2 0,-3 0 0,-8-4 0,-9-2 0,-4-6 0,-6-3 0,0 2 0,2-2 0,3 2 0,9 1 0,9 3 0,10 4 0,8 3 0,8 4 0,3 1 0,4 4 0,0 7 0,0 4 0,0 4 0,0 3 0,0 0 0,0 3 0,0-1 0,0-1 0,0-1 0,0-3 0,0-2 0,0-2 0,0-1 0,0 0 0,0 1 0,0-1 0,0-1 0,0-2 0,0-3 0,0-4 0,2-1 0,3-1 0,0 0 0,3 2 0,2-1 0,2 2 0,3 0 0,1 0 0,1 0 0,-1-2 0,-2-2 0,-5-2 0,-4-2 0,-3 0 0</inkml:trace>
+</inkml:ink>
+</file>
+
 <file path=ppt/notesMasters/notesMaster1.xml><?xml version="1.0" encoding="utf-8"?>
 <p:notesMaster xmlns:a="http://schemas.openxmlformats.org/drawingml/2006/main" xmlns:r="http://schemas.openxmlformats.org/officeDocument/2006/relationships" xmlns:p="http://schemas.openxmlformats.org/presentationml/2006/main">
   <p:cSld>
@@ -593,7 +998,7 @@
           <a:p>
             <a:fld id="{5361D66D-790A-42FE-9F35-47D6C83EFAA2}" type="datetimeFigureOut">
               <a:rPr lang="vi-VN" smtClean="0"/>
-              <a:t>26/11/2021</a:t>
+              <a:t>19/11/2023</a:t>
             </a:fld>
             <a:endParaRPr lang="vi-VN"/>
           </a:p>
@@ -1007,7 +1412,7 @@
           <a:p>
             <a:fld id="{FC4ADBB0-DFBB-4DCA-A0C8-E8E421A3A1BE}" type="datetime1">
               <a:rPr lang="vi-VN" smtClean="0"/>
-              <a:t>26/11/2021</a:t>
+              <a:t>19/11/2023</a:t>
             </a:fld>
             <a:endParaRPr lang="vi-VN"/>
           </a:p>
@@ -1205,7 +1610,7 @@
           <a:p>
             <a:fld id="{359BE2F6-B0D3-466A-82B2-ABEFC48B3338}" type="datetime1">
               <a:rPr lang="vi-VN" smtClean="0"/>
-              <a:t>26/11/2021</a:t>
+              <a:t>19/11/2023</a:t>
             </a:fld>
             <a:endParaRPr lang="vi-VN"/>
           </a:p>
@@ -1413,7 +1818,7 @@
           <a:p>
             <a:fld id="{BC74DA87-581A-4368-87FF-97BD13CE399D}" type="datetime1">
               <a:rPr lang="vi-VN" smtClean="0"/>
-              <a:t>26/11/2021</a:t>
+              <a:t>19/11/2023</a:t>
             </a:fld>
             <a:endParaRPr lang="vi-VN"/>
           </a:p>
@@ -1611,7 +2016,7 @@
           <a:p>
             <a:fld id="{3844ABA2-F96A-4642-AB00-30B67DAE18DC}" type="datetime1">
               <a:rPr lang="vi-VN" smtClean="0"/>
-              <a:t>26/11/2021</a:t>
+              <a:t>19/11/2023</a:t>
             </a:fld>
             <a:endParaRPr lang="vi-VN"/>
           </a:p>
@@ -1886,7 +2291,7 @@
           <a:p>
             <a:fld id="{38B10CBF-AA1C-442C-8908-2E147AAB595F}" type="datetime1">
               <a:rPr lang="vi-VN" smtClean="0"/>
-              <a:t>26/11/2021</a:t>
+              <a:t>19/11/2023</a:t>
             </a:fld>
             <a:endParaRPr lang="vi-VN"/>
           </a:p>
@@ -2151,7 +2556,7 @@
           <a:p>
             <a:fld id="{A375865D-2E54-4B89-8689-1A851FA9B0C2}" type="datetime1">
               <a:rPr lang="vi-VN" smtClean="0"/>
-              <a:t>26/11/2021</a:t>
+              <a:t>19/11/2023</a:t>
             </a:fld>
             <a:endParaRPr lang="vi-VN"/>
           </a:p>
@@ -2563,7 +2968,7 @@
           <a:p>
             <a:fld id="{19BFCA60-D758-4057-AC39-283123382124}" type="datetime1">
               <a:rPr lang="vi-VN" smtClean="0"/>
-              <a:t>26/11/2021</a:t>
+              <a:t>19/11/2023</a:t>
             </a:fld>
             <a:endParaRPr lang="vi-VN"/>
           </a:p>
@@ -2704,7 +3109,7 @@
           <a:p>
             <a:fld id="{7A2B3298-1CF5-4179-AF41-9A5CDD968281}" type="datetime1">
               <a:rPr lang="vi-VN" smtClean="0"/>
-              <a:t>26/11/2021</a:t>
+              <a:t>19/11/2023</a:t>
             </a:fld>
             <a:endParaRPr lang="vi-VN"/>
           </a:p>
@@ -2817,7 +3222,7 @@
           <a:p>
             <a:fld id="{9C6816FA-DA8A-46A1-935B-81637D3DCF4F}" type="datetime1">
               <a:rPr lang="vi-VN" smtClean="0"/>
-              <a:t>26/11/2021</a:t>
+              <a:t>19/11/2023</a:t>
             </a:fld>
             <a:endParaRPr lang="vi-VN"/>
           </a:p>
@@ -3128,7 +3533,7 @@
           <a:p>
             <a:fld id="{E74DEEF0-E224-4B78-9425-C6F80B2F1143}" type="datetime1">
               <a:rPr lang="vi-VN" smtClean="0"/>
-              <a:t>26/11/2021</a:t>
+              <a:t>19/11/2023</a:t>
             </a:fld>
             <a:endParaRPr lang="vi-VN"/>
           </a:p>
@@ -3416,7 +3821,7 @@
           <a:p>
             <a:fld id="{7EFCE8C9-A9C3-4798-8CE0-26142FD84B4C}" type="datetime1">
               <a:rPr lang="vi-VN" smtClean="0"/>
-              <a:t>26/11/2021</a:t>
+              <a:t>19/11/2023</a:t>
             </a:fld>
             <a:endParaRPr lang="vi-VN"/>
           </a:p>
@@ -3657,7 +4062,7 @@
           <a:p>
             <a:fld id="{8E3E2CA6-4B42-4742-895B-98FFB0FAE4AD}" type="datetime1">
               <a:rPr lang="vi-VN" smtClean="0"/>
-              <a:t>26/11/2021</a:t>
+              <a:t>19/11/2023</a:t>
             </a:fld>
             <a:endParaRPr lang="vi-VN"/>
           </a:p>
@@ -4273,13 +4678,7 @@
                           <a:rPr lang="en-US" b="0" i="1" smtClean="0">
                             <a:latin typeface="Cambria Math" panose="02040503050406030204" pitchFamily="18" charset="0"/>
                           </a:rPr>
-                          <m:t>𝑡</m:t>
-                        </m:r>
-                        <m:r>
-                          <a:rPr lang="en-US" b="0" i="1" smtClean="0">
-                            <a:latin typeface="Cambria Math" panose="02040503050406030204" pitchFamily="18" charset="0"/>
-                          </a:rPr>
-                          <m:t>h</m:t>
+                          <m:t>𝑡h</m:t>
                         </m:r>
                       </m:sup>
                     </m:sSup>
@@ -4530,19 +4929,7 @@
                       <a:rPr lang="en-US" b="0" i="1" smtClean="0">
                         <a:latin typeface="Cambria Math" panose="02040503050406030204" pitchFamily="18" charset="0"/>
                       </a:rPr>
-                      <m:t>|</m:t>
-                    </m:r>
-                    <m:r>
-                      <a:rPr lang="en-US" b="0" i="1" smtClean="0">
-                        <a:latin typeface="Cambria Math" panose="02040503050406030204" pitchFamily="18" charset="0"/>
-                      </a:rPr>
-                      <m:t>0</m:t>
-                    </m:r>
-                    <m:r>
-                      <a:rPr lang="en-US" b="0" i="1" smtClean="0">
-                        <a:latin typeface="Cambria Math" panose="02040503050406030204" pitchFamily="18" charset="0"/>
-                      </a:rPr>
-                      <m:t>⟩</m:t>
+                      <m:t>|0⟩</m:t>
                     </m:r>
                   </m:oMath>
                 </a14:m>
@@ -4556,19 +4943,7 @@
                       <a:rPr lang="en-US" b="0" i="1" smtClean="0">
                         <a:latin typeface="Cambria Math" panose="02040503050406030204" pitchFamily="18" charset="0"/>
                       </a:rPr>
-                      <m:t>|</m:t>
-                    </m:r>
-                    <m:r>
-                      <a:rPr lang="en-US" b="0" i="1" smtClean="0">
-                        <a:latin typeface="Cambria Math" panose="02040503050406030204" pitchFamily="18" charset="0"/>
-                      </a:rPr>
-                      <m:t>1</m:t>
-                    </m:r>
-                    <m:r>
-                      <a:rPr lang="en-US" b="0" i="1" smtClean="0">
-                        <a:latin typeface="Cambria Math" panose="02040503050406030204" pitchFamily="18" charset="0"/>
-                      </a:rPr>
-                      <m:t>⟩</m:t>
+                      <m:t>|1⟩</m:t>
                     </m:r>
                   </m:oMath>
                 </a14:m>
@@ -4602,55 +4977,7 @@
                           <a:rPr lang="en-US" i="1">
                             <a:latin typeface="Cambria Math" panose="02040503050406030204" pitchFamily="18" charset="0"/>
                           </a:rPr>
-                          <m:t>|</m:t>
-                        </m:r>
-                        <m:r>
-                          <a:rPr lang="en-US" i="1">
-                            <a:latin typeface="Cambria Math" panose="02040503050406030204" pitchFamily="18" charset="0"/>
-                          </a:rPr>
-                          <m:t>0</m:t>
-                        </m:r>
-                        <m:r>
-                          <a:rPr lang="en-US" i="1">
-                            <a:latin typeface="Cambria Math" panose="02040503050406030204" pitchFamily="18" charset="0"/>
-                          </a:rPr>
-                          <m:t>⟩⟨</m:t>
-                        </m:r>
-                        <m:r>
-                          <a:rPr lang="en-US" i="1">
-                            <a:latin typeface="Cambria Math" panose="02040503050406030204" pitchFamily="18" charset="0"/>
-                          </a:rPr>
-                          <m:t>0</m:t>
-                        </m:r>
-                        <m:r>
-                          <a:rPr lang="en-US" i="1">
-                            <a:latin typeface="Cambria Math" panose="02040503050406030204" pitchFamily="18" charset="0"/>
-                          </a:rPr>
-                          <m:t>|−|</m:t>
-                        </m:r>
-                        <m:r>
-                          <a:rPr lang="en-US" i="1">
-                            <a:latin typeface="Cambria Math" panose="02040503050406030204" pitchFamily="18" charset="0"/>
-                          </a:rPr>
-                          <m:t>1</m:t>
-                        </m:r>
-                        <m:r>
-                          <a:rPr lang="en-US" i="1">
-                            <a:latin typeface="Cambria Math" panose="02040503050406030204" pitchFamily="18" charset="0"/>
-                          </a:rPr>
-                          <m:t>⟩⟨</m:t>
-                        </m:r>
-                        <m:r>
-                          <a:rPr lang="en-US" i="1">
-                            <a:latin typeface="Cambria Math" panose="02040503050406030204" pitchFamily="18" charset="0"/>
-                          </a:rPr>
-                          <m:t>1</m:t>
-                        </m:r>
-                        <m:r>
-                          <a:rPr lang="en-US" i="1">
-                            <a:latin typeface="Cambria Math" panose="02040503050406030204" pitchFamily="18" charset="0"/>
-                          </a:rPr>
-                          <m:t>|</m:t>
+                          <m:t>|0⟩⟨0|−|1⟩⟨1|</m:t>
                         </m:r>
                         <m:r>
                           <m:rPr>
@@ -4788,19 +5115,7 @@
                       <a:rPr lang="en-US" b="0" i="1" smtClean="0">
                         <a:latin typeface="Cambria Math" panose="02040503050406030204" pitchFamily="18" charset="0"/>
                       </a:rPr>
-                      <m:t>=|</m:t>
-                    </m:r>
-                    <m:r>
-                      <a:rPr lang="en-US" b="0" i="1" smtClean="0">
-                        <a:latin typeface="Cambria Math" panose="02040503050406030204" pitchFamily="18" charset="0"/>
-                      </a:rPr>
-                      <m:t>0</m:t>
-                    </m:r>
-                    <m:r>
-                      <a:rPr lang="en-US" b="0" i="1" smtClean="0">
-                        <a:latin typeface="Cambria Math" panose="02040503050406030204" pitchFamily="18" charset="0"/>
-                      </a:rPr>
-                      <m:t>⟩</m:t>
+                      <m:t>=|0⟩</m:t>
                     </m:r>
                   </m:oMath>
                 </a14:m>
@@ -4828,55 +5143,7 @@
                           <a:rPr lang="en-US" i="1">
                             <a:latin typeface="Cambria Math" panose="02040503050406030204" pitchFamily="18" charset="0"/>
                           </a:rPr>
-                          <m:t>|</m:t>
-                        </m:r>
-                        <m:r>
-                          <a:rPr lang="en-US" i="1">
-                            <a:latin typeface="Cambria Math" panose="02040503050406030204" pitchFamily="18" charset="0"/>
-                          </a:rPr>
-                          <m:t>0</m:t>
-                        </m:r>
-                        <m:r>
-                          <a:rPr lang="en-US" i="1">
-                            <a:latin typeface="Cambria Math" panose="02040503050406030204" pitchFamily="18" charset="0"/>
-                          </a:rPr>
-                          <m:t>⟩⟨</m:t>
-                        </m:r>
-                        <m:r>
-                          <a:rPr lang="en-US" i="1">
-                            <a:latin typeface="Cambria Math" panose="02040503050406030204" pitchFamily="18" charset="0"/>
-                          </a:rPr>
-                          <m:t>0</m:t>
-                        </m:r>
-                        <m:r>
-                          <a:rPr lang="en-US" i="1">
-                            <a:latin typeface="Cambria Math" panose="02040503050406030204" pitchFamily="18" charset="0"/>
-                          </a:rPr>
-                          <m:t>|−|</m:t>
-                        </m:r>
-                        <m:r>
-                          <a:rPr lang="en-US" i="1">
-                            <a:latin typeface="Cambria Math" panose="02040503050406030204" pitchFamily="18" charset="0"/>
-                          </a:rPr>
-                          <m:t>1</m:t>
-                        </m:r>
-                        <m:r>
-                          <a:rPr lang="en-US" i="1">
-                            <a:latin typeface="Cambria Math" panose="02040503050406030204" pitchFamily="18" charset="0"/>
-                          </a:rPr>
-                          <m:t>⟩⟨</m:t>
-                        </m:r>
-                        <m:r>
-                          <a:rPr lang="en-US" i="1">
-                            <a:latin typeface="Cambria Math" panose="02040503050406030204" pitchFamily="18" charset="0"/>
-                          </a:rPr>
-                          <m:t>1</m:t>
-                        </m:r>
-                        <m:r>
-                          <a:rPr lang="en-US" i="1">
-                            <a:latin typeface="Cambria Math" panose="02040503050406030204" pitchFamily="18" charset="0"/>
-                          </a:rPr>
-                          <m:t>|</m:t>
+                          <m:t>|0⟩⟨0|−|1⟩⟨1|</m:t>
                         </m:r>
                         <m:r>
                           <m:rPr>
@@ -5014,19 +5281,7 @@
                       <a:rPr lang="en-US" b="0" i="1" smtClean="0">
                         <a:latin typeface="Cambria Math" panose="02040503050406030204" pitchFamily="18" charset="0"/>
                       </a:rPr>
-                      <m:t>=−|</m:t>
-                    </m:r>
-                    <m:r>
-                      <a:rPr lang="en-US" b="0" i="1" smtClean="0">
-                        <a:latin typeface="Cambria Math" panose="02040503050406030204" pitchFamily="18" charset="0"/>
-                      </a:rPr>
-                      <m:t>1</m:t>
-                    </m:r>
-                    <m:r>
-                      <a:rPr lang="en-US" b="0" i="1" smtClean="0">
-                        <a:latin typeface="Cambria Math" panose="02040503050406030204" pitchFamily="18" charset="0"/>
-                      </a:rPr>
-                      <m:t>⟩</m:t>
+                      <m:t>=−|1⟩</m:t>
                     </m:r>
                   </m:oMath>
                 </a14:m>
@@ -5055,19 +5310,7 @@
                       <a:rPr lang="en-US" b="0" i="1" smtClean="0">
                         <a:latin typeface="Cambria Math" panose="02040503050406030204" pitchFamily="18" charset="0"/>
                       </a:rPr>
-                      <m:t>|</m:t>
-                    </m:r>
-                    <m:r>
-                      <a:rPr lang="en-US" b="0" i="1" smtClean="0">
-                        <a:latin typeface="Cambria Math" panose="02040503050406030204" pitchFamily="18" charset="0"/>
-                      </a:rPr>
-                      <m:t>0</m:t>
-                    </m:r>
-                    <m:r>
-                      <a:rPr lang="en-US" b="0" i="1" smtClean="0">
-                        <a:latin typeface="Cambria Math" panose="02040503050406030204" pitchFamily="18" charset="0"/>
-                      </a:rPr>
-                      <m:t>⟩</m:t>
+                      <m:t>|0⟩</m:t>
                     </m:r>
                   </m:oMath>
                 </a14:m>
@@ -5081,19 +5324,7 @@
                       <a:rPr lang="en-US" b="0" i="1" smtClean="0">
                         <a:latin typeface="Cambria Math" panose="02040503050406030204" pitchFamily="18" charset="0"/>
                       </a:rPr>
-                      <m:t>|</m:t>
-                    </m:r>
-                    <m:r>
-                      <a:rPr lang="en-US" b="0" i="1" smtClean="0">
-                        <a:latin typeface="Cambria Math" panose="02040503050406030204" pitchFamily="18" charset="0"/>
-                      </a:rPr>
-                      <m:t>1</m:t>
-                    </m:r>
-                    <m:r>
-                      <a:rPr lang="en-US" b="0" i="1" smtClean="0">
-                        <a:latin typeface="Cambria Math" panose="02040503050406030204" pitchFamily="18" charset="0"/>
-                      </a:rPr>
-                      <m:t>⟩</m:t>
+                      <m:t>|1⟩</m:t>
                     </m:r>
                   </m:oMath>
                 </a14:m>
@@ -5137,19 +5368,7 @@
                           <a:rPr lang="en-US" b="0" i="1" smtClean="0">
                             <a:latin typeface="Cambria Math" panose="02040503050406030204" pitchFamily="18" charset="0"/>
                           </a:rPr>
-                          <m:t>,|</m:t>
-                        </m:r>
-                        <m:r>
-                          <a:rPr lang="en-US" b="0" i="1" smtClean="0">
-                            <a:latin typeface="Cambria Math" panose="02040503050406030204" pitchFamily="18" charset="0"/>
-                          </a:rPr>
-                          <m:t>1</m:t>
-                        </m:r>
-                        <m:r>
-                          <a:rPr lang="en-US" b="0" i="1" smtClean="0">
-                            <a:latin typeface="Cambria Math" panose="02040503050406030204" pitchFamily="18" charset="0"/>
-                          </a:rPr>
-                          <m:t>⟩</m:t>
+                          <m:t>,|1⟩</m:t>
                         </m:r>
                       </m:e>
                     </m:d>
@@ -5905,19 +6124,7 @@
                         <a:rPr lang="en-US" b="0" i="1" smtClean="0">
                           <a:latin typeface="Cambria Math" panose="02040503050406030204" pitchFamily="18" charset="0"/>
                         </a:rPr>
-                        <m:t>|</m:t>
-                      </m:r>
-                      <m:r>
-                        <a:rPr lang="en-US" b="0" i="1" smtClean="0">
-                          <a:latin typeface="Cambria Math" panose="02040503050406030204" pitchFamily="18" charset="0"/>
-                        </a:rPr>
-                        <m:t>0</m:t>
-                      </m:r>
-                      <m:r>
-                        <a:rPr lang="en-US" b="0" i="1" smtClean="0">
-                          <a:latin typeface="Cambria Math" panose="02040503050406030204" pitchFamily="18" charset="0"/>
-                        </a:rPr>
-                        <m:t>⟩</m:t>
+                        <m:t>|0⟩</m:t>
                       </m:r>
                     </m:oMath>
                   </m:oMathPara>
@@ -6013,19 +6220,7 @@
                         <a:rPr lang="en-US" b="0" i="1" smtClean="0">
                           <a:latin typeface="Cambria Math" panose="02040503050406030204" pitchFamily="18" charset="0"/>
                         </a:rPr>
-                        <m:t>|</m:t>
-                      </m:r>
-                      <m:r>
-                        <a:rPr lang="en-US" b="0" i="1" smtClean="0">
-                          <a:latin typeface="Cambria Math" panose="02040503050406030204" pitchFamily="18" charset="0"/>
-                        </a:rPr>
-                        <m:t>1</m:t>
-                      </m:r>
-                      <m:r>
-                        <a:rPr lang="en-US" b="0" i="1" smtClean="0">
-                          <a:latin typeface="Cambria Math" panose="02040503050406030204" pitchFamily="18" charset="0"/>
-                        </a:rPr>
-                        <m:t>⟩</m:t>
+                        <m:t>|1⟩</m:t>
                       </m:r>
                     </m:oMath>
                   </m:oMathPara>
@@ -6829,19 +7024,7 @@
                             <a:rPr lang="en-US" b="0" i="1" smtClean="0">
                               <a:latin typeface="Cambria Math" panose="02040503050406030204" pitchFamily="18" charset="0"/>
                             </a:rPr>
-                            <m:t>+|</m:t>
-                          </m:r>
-                          <m:r>
-                            <a:rPr lang="en-US" b="0" i="1" smtClean="0">
-                              <a:latin typeface="Cambria Math" panose="02040503050406030204" pitchFamily="18" charset="0"/>
-                            </a:rPr>
-                            <m:t>1</m:t>
-                          </m:r>
-                          <m:r>
-                            <a:rPr lang="en-US" b="0" i="1" smtClean="0">
-                              <a:latin typeface="Cambria Math" panose="02040503050406030204" pitchFamily="18" charset="0"/>
-                            </a:rPr>
-                            <m:t>⟩</m:t>
+                            <m:t>+|1⟩</m:t>
                           </m:r>
                         </m:e>
                       </m:d>
@@ -7482,19 +7665,7 @@
                             <a:rPr lang="en-US" b="0" i="1" smtClean="0">
                               <a:latin typeface="Cambria Math" panose="02040503050406030204" pitchFamily="18" charset="0"/>
                             </a:rPr>
-                            <m:t>−|</m:t>
-                          </m:r>
-                          <m:r>
-                            <a:rPr lang="en-US" b="0" i="1" smtClean="0">
-                              <a:latin typeface="Cambria Math" panose="02040503050406030204" pitchFamily="18" charset="0"/>
-                            </a:rPr>
-                            <m:t>1</m:t>
-                          </m:r>
-                          <m:r>
-                            <a:rPr lang="en-US" b="0" i="1" smtClean="0">
-                              <a:latin typeface="Cambria Math" panose="02040503050406030204" pitchFamily="18" charset="0"/>
-                            </a:rPr>
-                            <m:t>⟩</m:t>
+                            <m:t>−|1⟩</m:t>
                           </m:r>
                         </m:e>
                       </m:d>
@@ -7592,6 +7763,639 @@
           </a:fontRef>
         </p:style>
       </p:cxnSp>
+      <mc:AlternateContent xmlns:mc="http://schemas.openxmlformats.org/markup-compatibility/2006">
+        <mc:Choice xmlns:p14="http://schemas.microsoft.com/office/powerpoint/2010/main" Requires="p14">
+          <p:contentPart p14:bwMode="auto" r:id="rId13">
+            <p14:nvContentPartPr>
+              <p14:cNvPr id="5" name="Ink 4">
+                <a:extLst>
+                  <a:ext uri="{FF2B5EF4-FFF2-40B4-BE49-F238E27FC236}">
+                    <a16:creationId xmlns:a16="http://schemas.microsoft.com/office/drawing/2014/main" id="{CA4005CD-DD9A-D8C0-7AAE-71523DBD70E7}"/>
+                  </a:ext>
+                </a:extLst>
+              </p14:cNvPr>
+              <p14:cNvContentPartPr/>
+              <p14:nvPr/>
+            </p14:nvContentPartPr>
+            <p14:xfrm>
+              <a:off x="3591000" y="1655102"/>
+              <a:ext cx="57240" cy="780840"/>
+            </p14:xfrm>
+          </p:contentPart>
+        </mc:Choice>
+        <mc:Fallback>
+          <p:pic>
+            <p:nvPicPr>
+              <p:cNvPr id="5" name="Ink 4">
+                <a:extLst>
+                  <a:ext uri="{FF2B5EF4-FFF2-40B4-BE49-F238E27FC236}">
+                    <a16:creationId xmlns:a16="http://schemas.microsoft.com/office/drawing/2014/main" id="{CA4005CD-DD9A-D8C0-7AAE-71523DBD70E7}"/>
+                  </a:ext>
+                </a:extLst>
+              </p:cNvPr>
+              <p:cNvPicPr/>
+              <p:nvPr/>
+            </p:nvPicPr>
+            <p:blipFill>
+              <a:blip r:embed="rId14"/>
+              <a:stretch>
+                <a:fillRect/>
+              </a:stretch>
+            </p:blipFill>
+            <p:spPr>
+              <a:xfrm>
+                <a:off x="3582000" y="1646102"/>
+                <a:ext cx="74880" cy="798480"/>
+              </a:xfrm>
+              <a:prstGeom prst="rect">
+                <a:avLst/>
+              </a:prstGeom>
+            </p:spPr>
+          </p:pic>
+        </mc:Fallback>
+      </mc:AlternateContent>
+      <mc:AlternateContent xmlns:mc="http://schemas.openxmlformats.org/markup-compatibility/2006">
+        <mc:Choice xmlns:p14="http://schemas.microsoft.com/office/powerpoint/2010/main" Requires="p14">
+          <p:contentPart p14:bwMode="auto" r:id="rId15">
+            <p14:nvContentPartPr>
+              <p14:cNvPr id="8" name="Ink 7">
+                <a:extLst>
+                  <a:ext uri="{FF2B5EF4-FFF2-40B4-BE49-F238E27FC236}">
+                    <a16:creationId xmlns:a16="http://schemas.microsoft.com/office/drawing/2014/main" id="{7DD093D6-E6AA-E49D-864C-16FED43462A7}"/>
+                  </a:ext>
+                </a:extLst>
+              </p14:cNvPr>
+              <p14:cNvContentPartPr/>
+              <p14:nvPr/>
+            </p14:nvContentPartPr>
+            <p14:xfrm>
+              <a:off x="3617280" y="1705862"/>
+              <a:ext cx="1714680" cy="696960"/>
+            </p14:xfrm>
+          </p:contentPart>
+        </mc:Choice>
+        <mc:Fallback>
+          <p:pic>
+            <p:nvPicPr>
+              <p:cNvPr id="8" name="Ink 7">
+                <a:extLst>
+                  <a:ext uri="{FF2B5EF4-FFF2-40B4-BE49-F238E27FC236}">
+                    <a16:creationId xmlns:a16="http://schemas.microsoft.com/office/drawing/2014/main" id="{7DD093D6-E6AA-E49D-864C-16FED43462A7}"/>
+                  </a:ext>
+                </a:extLst>
+              </p:cNvPr>
+              <p:cNvPicPr/>
+              <p:nvPr/>
+            </p:nvPicPr>
+            <p:blipFill>
+              <a:blip r:embed="rId16"/>
+              <a:stretch>
+                <a:fillRect/>
+              </a:stretch>
+            </p:blipFill>
+            <p:spPr>
+              <a:xfrm>
+                <a:off x="3608280" y="1696862"/>
+                <a:ext cx="1732320" cy="714600"/>
+              </a:xfrm>
+              <a:prstGeom prst="rect">
+                <a:avLst/>
+              </a:prstGeom>
+            </p:spPr>
+          </p:pic>
+        </mc:Fallback>
+      </mc:AlternateContent>
+      <p:grpSp>
+        <p:nvGrpSpPr>
+          <p:cNvPr id="44" name="Group 43">
+            <a:extLst>
+              <a:ext uri="{FF2B5EF4-FFF2-40B4-BE49-F238E27FC236}">
+                <a16:creationId xmlns:a16="http://schemas.microsoft.com/office/drawing/2014/main" id="{7AA3FEAA-4C5A-B4E4-6F4B-6A1AE6F7889C}"/>
+              </a:ext>
+            </a:extLst>
+          </p:cNvPr>
+          <p:cNvGrpSpPr/>
+          <p:nvPr/>
+        </p:nvGrpSpPr>
+        <p:grpSpPr>
+          <a:xfrm>
+            <a:off x="3221280" y="688502"/>
+            <a:ext cx="2292840" cy="2048760"/>
+            <a:chOff x="3221280" y="688502"/>
+            <a:chExt cx="2292840" cy="2048760"/>
+          </a:xfrm>
+        </p:grpSpPr>
+        <mc:AlternateContent xmlns:mc="http://schemas.openxmlformats.org/markup-compatibility/2006">
+          <mc:Choice xmlns:p14="http://schemas.microsoft.com/office/powerpoint/2010/main" Requires="p14">
+            <p:contentPart p14:bwMode="auto" r:id="rId17">
+              <p14:nvContentPartPr>
+                <p14:cNvPr id="23" name="Ink 22">
+                  <a:extLst>
+                    <a:ext uri="{FF2B5EF4-FFF2-40B4-BE49-F238E27FC236}">
+                      <a16:creationId xmlns:a16="http://schemas.microsoft.com/office/drawing/2014/main" id="{DBCFA92A-353B-BC90-A1EA-CC436E825563}"/>
+                    </a:ext>
+                  </a:extLst>
+                </p14:cNvPr>
+                <p14:cNvContentPartPr/>
+                <p14:nvPr/>
+              </p14:nvContentPartPr>
+              <p14:xfrm>
+                <a:off x="3330360" y="1036622"/>
+                <a:ext cx="2139480" cy="1567440"/>
+              </p14:xfrm>
+            </p:contentPart>
+          </mc:Choice>
+          <mc:Fallback>
+            <p:pic>
+              <p:nvPicPr>
+                <p:cNvPr id="23" name="Ink 22">
+                  <a:extLst>
+                    <a:ext uri="{FF2B5EF4-FFF2-40B4-BE49-F238E27FC236}">
+                      <a16:creationId xmlns:a16="http://schemas.microsoft.com/office/drawing/2014/main" id="{DBCFA92A-353B-BC90-A1EA-CC436E825563}"/>
+                    </a:ext>
+                  </a:extLst>
+                </p:cNvPr>
+                <p:cNvPicPr/>
+                <p:nvPr/>
+              </p:nvPicPr>
+              <p:blipFill>
+                <a:blip r:embed="rId18"/>
+                <a:stretch>
+                  <a:fillRect/>
+                </a:stretch>
+              </p:blipFill>
+              <p:spPr>
+                <a:xfrm>
+                  <a:off x="3321720" y="1027622"/>
+                  <a:ext cx="2157120" cy="1585080"/>
+                </a:xfrm>
+                <a:prstGeom prst="rect">
+                  <a:avLst/>
+                </a:prstGeom>
+              </p:spPr>
+            </p:pic>
+          </mc:Fallback>
+        </mc:AlternateContent>
+        <mc:AlternateContent xmlns:mc="http://schemas.openxmlformats.org/markup-compatibility/2006">
+          <mc:Choice xmlns:p14="http://schemas.microsoft.com/office/powerpoint/2010/main" Requires="p14">
+            <p:contentPart p14:bwMode="auto" r:id="rId19">
+              <p14:nvContentPartPr>
+                <p14:cNvPr id="31" name="Ink 30">
+                  <a:extLst>
+                    <a:ext uri="{FF2B5EF4-FFF2-40B4-BE49-F238E27FC236}">
+                      <a16:creationId xmlns:a16="http://schemas.microsoft.com/office/drawing/2014/main" id="{7A6192CA-E130-E8B9-75B6-7B40E7EB8AC4}"/>
+                    </a:ext>
+                  </a:extLst>
+                </p14:cNvPr>
+                <p14:cNvContentPartPr/>
+                <p14:nvPr/>
+              </p14:nvContentPartPr>
+              <p14:xfrm>
+                <a:off x="5302080" y="2520182"/>
+                <a:ext cx="212040" cy="217080"/>
+              </p14:xfrm>
+            </p:contentPart>
+          </mc:Choice>
+          <mc:Fallback>
+            <p:pic>
+              <p:nvPicPr>
+                <p:cNvPr id="31" name="Ink 30">
+                  <a:extLst>
+                    <a:ext uri="{FF2B5EF4-FFF2-40B4-BE49-F238E27FC236}">
+                      <a16:creationId xmlns:a16="http://schemas.microsoft.com/office/drawing/2014/main" id="{7A6192CA-E130-E8B9-75B6-7B40E7EB8AC4}"/>
+                    </a:ext>
+                  </a:extLst>
+                </p:cNvPr>
+                <p:cNvPicPr/>
+                <p:nvPr/>
+              </p:nvPicPr>
+              <p:blipFill>
+                <a:blip r:embed="rId20"/>
+                <a:stretch>
+                  <a:fillRect/>
+                </a:stretch>
+              </p:blipFill>
+              <p:spPr>
+                <a:xfrm>
+                  <a:off x="5293440" y="2511182"/>
+                  <a:ext cx="229680" cy="234720"/>
+                </a:xfrm>
+                <a:prstGeom prst="rect">
+                  <a:avLst/>
+                </a:prstGeom>
+              </p:spPr>
+            </p:pic>
+          </mc:Fallback>
+        </mc:AlternateContent>
+        <mc:AlternateContent xmlns:mc="http://schemas.openxmlformats.org/markup-compatibility/2006">
+          <mc:Choice xmlns:p14="http://schemas.microsoft.com/office/powerpoint/2010/main" Requires="p14">
+            <p:contentPart p14:bwMode="auto" r:id="rId21">
+              <p14:nvContentPartPr>
+                <p14:cNvPr id="38" name="Ink 37">
+                  <a:extLst>
+                    <a:ext uri="{FF2B5EF4-FFF2-40B4-BE49-F238E27FC236}">
+                      <a16:creationId xmlns:a16="http://schemas.microsoft.com/office/drawing/2014/main" id="{4ADB8AAD-EF1E-762F-A7A3-6ABFE85E5691}"/>
+                    </a:ext>
+                  </a:extLst>
+                </p14:cNvPr>
+                <p14:cNvContentPartPr/>
+                <p14:nvPr/>
+              </p14:nvContentPartPr>
+              <p14:xfrm>
+                <a:off x="3221280" y="939782"/>
+                <a:ext cx="368640" cy="209880"/>
+              </p14:xfrm>
+            </p:contentPart>
+          </mc:Choice>
+          <mc:Fallback>
+            <p:pic>
+              <p:nvPicPr>
+                <p:cNvPr id="38" name="Ink 37">
+                  <a:extLst>
+                    <a:ext uri="{FF2B5EF4-FFF2-40B4-BE49-F238E27FC236}">
+                      <a16:creationId xmlns:a16="http://schemas.microsoft.com/office/drawing/2014/main" id="{4ADB8AAD-EF1E-762F-A7A3-6ABFE85E5691}"/>
+                    </a:ext>
+                  </a:extLst>
+                </p:cNvPr>
+                <p:cNvPicPr/>
+                <p:nvPr/>
+              </p:nvPicPr>
+              <p:blipFill>
+                <a:blip r:embed="rId22"/>
+                <a:stretch>
+                  <a:fillRect/>
+                </a:stretch>
+              </p:blipFill>
+              <p:spPr>
+                <a:xfrm>
+                  <a:off x="3212640" y="930782"/>
+                  <a:ext cx="386280" cy="227520"/>
+                </a:xfrm>
+                <a:prstGeom prst="rect">
+                  <a:avLst/>
+                </a:prstGeom>
+              </p:spPr>
+            </p:pic>
+          </mc:Fallback>
+        </mc:AlternateContent>
+        <mc:AlternateContent xmlns:mc="http://schemas.openxmlformats.org/markup-compatibility/2006">
+          <mc:Choice xmlns:p14="http://schemas.microsoft.com/office/powerpoint/2010/main" Requires="p14">
+            <p:contentPart p14:bwMode="auto" r:id="rId23">
+              <p14:nvContentPartPr>
+                <p14:cNvPr id="9" name="Ink 8">
+                  <a:extLst>
+                    <a:ext uri="{FF2B5EF4-FFF2-40B4-BE49-F238E27FC236}">
+                      <a16:creationId xmlns:a16="http://schemas.microsoft.com/office/drawing/2014/main" id="{6235FFDE-587E-10C1-36A2-00CD1A5422CF}"/>
+                    </a:ext>
+                  </a:extLst>
+                </p14:cNvPr>
+                <p14:cNvContentPartPr/>
+                <p14:nvPr/>
+              </p14:nvContentPartPr>
+              <p14:xfrm>
+                <a:off x="3732480" y="1560422"/>
+                <a:ext cx="207000" cy="167400"/>
+              </p14:xfrm>
+            </p:contentPart>
+          </mc:Choice>
+          <mc:Fallback>
+            <p:pic>
+              <p:nvPicPr>
+                <p:cNvPr id="9" name="Ink 8">
+                  <a:extLst>
+                    <a:ext uri="{FF2B5EF4-FFF2-40B4-BE49-F238E27FC236}">
+                      <a16:creationId xmlns:a16="http://schemas.microsoft.com/office/drawing/2014/main" id="{6235FFDE-587E-10C1-36A2-00CD1A5422CF}"/>
+                    </a:ext>
+                  </a:extLst>
+                </p:cNvPr>
+                <p:cNvPicPr/>
+                <p:nvPr/>
+              </p:nvPicPr>
+              <p:blipFill>
+                <a:blip r:embed="rId24"/>
+                <a:stretch>
+                  <a:fillRect/>
+                </a:stretch>
+              </p:blipFill>
+              <p:spPr>
+                <a:xfrm>
+                  <a:off x="3723480" y="1551422"/>
+                  <a:ext cx="224640" cy="185040"/>
+                </a:xfrm>
+                <a:prstGeom prst="rect">
+                  <a:avLst/>
+                </a:prstGeom>
+              </p:spPr>
+            </p:pic>
+          </mc:Fallback>
+        </mc:AlternateContent>
+        <mc:AlternateContent xmlns:mc="http://schemas.openxmlformats.org/markup-compatibility/2006">
+          <mc:Choice xmlns:p14="http://schemas.microsoft.com/office/powerpoint/2010/main" Requires="p14">
+            <p:contentPart p14:bwMode="auto" r:id="rId25">
+              <p14:nvContentPartPr>
+                <p14:cNvPr id="10" name="Ink 9">
+                  <a:extLst>
+                    <a:ext uri="{FF2B5EF4-FFF2-40B4-BE49-F238E27FC236}">
+                      <a16:creationId xmlns:a16="http://schemas.microsoft.com/office/drawing/2014/main" id="{4C3AA76F-8DF6-A652-1201-E3F8CAF82D2F}"/>
+                    </a:ext>
+                  </a:extLst>
+                </p14:cNvPr>
+                <p14:cNvContentPartPr/>
+                <p14:nvPr/>
+              </p14:nvContentPartPr>
+              <p14:xfrm>
+                <a:off x="4264200" y="1789742"/>
+                <a:ext cx="165600" cy="177840"/>
+              </p14:xfrm>
+            </p:contentPart>
+          </mc:Choice>
+          <mc:Fallback>
+            <p:pic>
+              <p:nvPicPr>
+                <p:cNvPr id="10" name="Ink 9">
+                  <a:extLst>
+                    <a:ext uri="{FF2B5EF4-FFF2-40B4-BE49-F238E27FC236}">
+                      <a16:creationId xmlns:a16="http://schemas.microsoft.com/office/drawing/2014/main" id="{4C3AA76F-8DF6-A652-1201-E3F8CAF82D2F}"/>
+                    </a:ext>
+                  </a:extLst>
+                </p:cNvPr>
+                <p:cNvPicPr/>
+                <p:nvPr/>
+              </p:nvPicPr>
+              <p:blipFill>
+                <a:blip r:embed="rId26"/>
+                <a:stretch>
+                  <a:fillRect/>
+                </a:stretch>
+              </p:blipFill>
+              <p:spPr>
+                <a:xfrm>
+                  <a:off x="4255200" y="1780742"/>
+                  <a:ext cx="183240" cy="195480"/>
+                </a:xfrm>
+                <a:prstGeom prst="rect">
+                  <a:avLst/>
+                </a:prstGeom>
+              </p:spPr>
+            </p:pic>
+          </mc:Fallback>
+        </mc:AlternateContent>
+        <mc:AlternateContent xmlns:mc="http://schemas.openxmlformats.org/markup-compatibility/2006">
+          <mc:Choice xmlns:p14="http://schemas.microsoft.com/office/powerpoint/2010/main" Requires="p14">
+            <p:contentPart p14:bwMode="auto" r:id="rId27">
+              <p14:nvContentPartPr>
+                <p14:cNvPr id="16" name="Ink 15">
+                  <a:extLst>
+                    <a:ext uri="{FF2B5EF4-FFF2-40B4-BE49-F238E27FC236}">
+                      <a16:creationId xmlns:a16="http://schemas.microsoft.com/office/drawing/2014/main" id="{B9527198-6FEE-A129-DB95-82AF6CEB856A}"/>
+                    </a:ext>
+                  </a:extLst>
+                </p14:cNvPr>
+                <p14:cNvContentPartPr/>
+                <p14:nvPr/>
+              </p14:nvContentPartPr>
+              <p14:xfrm>
+                <a:off x="3647520" y="1320302"/>
+                <a:ext cx="1043640" cy="573840"/>
+              </p14:xfrm>
+            </p:contentPart>
+          </mc:Choice>
+          <mc:Fallback>
+            <p:pic>
+              <p:nvPicPr>
+                <p:cNvPr id="16" name="Ink 15">
+                  <a:extLst>
+                    <a:ext uri="{FF2B5EF4-FFF2-40B4-BE49-F238E27FC236}">
+                      <a16:creationId xmlns:a16="http://schemas.microsoft.com/office/drawing/2014/main" id="{B9527198-6FEE-A129-DB95-82AF6CEB856A}"/>
+                    </a:ext>
+                  </a:extLst>
+                </p:cNvPr>
+                <p:cNvPicPr/>
+                <p:nvPr/>
+              </p:nvPicPr>
+              <p:blipFill>
+                <a:blip r:embed="rId28"/>
+                <a:stretch>
+                  <a:fillRect/>
+                </a:stretch>
+              </p:blipFill>
+              <p:spPr>
+                <a:xfrm>
+                  <a:off x="3638880" y="1311302"/>
+                  <a:ext cx="1061280" cy="591480"/>
+                </a:xfrm>
+                <a:prstGeom prst="rect">
+                  <a:avLst/>
+                </a:prstGeom>
+              </p:spPr>
+            </p:pic>
+          </mc:Fallback>
+        </mc:AlternateContent>
+        <mc:AlternateContent xmlns:mc="http://schemas.openxmlformats.org/markup-compatibility/2006">
+          <mc:Choice xmlns:p14="http://schemas.microsoft.com/office/powerpoint/2010/main" Requires="p14">
+            <p:contentPart p14:bwMode="auto" r:id="rId29">
+              <p14:nvContentPartPr>
+                <p14:cNvPr id="21" name="Ink 20">
+                  <a:extLst>
+                    <a:ext uri="{FF2B5EF4-FFF2-40B4-BE49-F238E27FC236}">
+                      <a16:creationId xmlns:a16="http://schemas.microsoft.com/office/drawing/2014/main" id="{FA784AA2-7D0E-74AF-755D-91C21FB226DC}"/>
+                    </a:ext>
+                  </a:extLst>
+                </p14:cNvPr>
+                <p14:cNvContentPartPr/>
+                <p14:nvPr/>
+              </p14:nvContentPartPr>
+              <p14:xfrm>
+                <a:off x="3917160" y="1688942"/>
+                <a:ext cx="353880" cy="131760"/>
+              </p14:xfrm>
+            </p:contentPart>
+          </mc:Choice>
+          <mc:Fallback>
+            <p:pic>
+              <p:nvPicPr>
+                <p:cNvPr id="21" name="Ink 20">
+                  <a:extLst>
+                    <a:ext uri="{FF2B5EF4-FFF2-40B4-BE49-F238E27FC236}">
+                      <a16:creationId xmlns:a16="http://schemas.microsoft.com/office/drawing/2014/main" id="{FA784AA2-7D0E-74AF-755D-91C21FB226DC}"/>
+                    </a:ext>
+                  </a:extLst>
+                </p:cNvPr>
+                <p:cNvPicPr/>
+                <p:nvPr/>
+              </p:nvPicPr>
+              <p:blipFill>
+                <a:blip r:embed="rId30"/>
+                <a:stretch>
+                  <a:fillRect/>
+                </a:stretch>
+              </p:blipFill>
+              <p:spPr>
+                <a:xfrm>
+                  <a:off x="3908160" y="1680302"/>
+                  <a:ext cx="371520" cy="149400"/>
+                </a:xfrm>
+                <a:prstGeom prst="rect">
+                  <a:avLst/>
+                </a:prstGeom>
+              </p:spPr>
+            </p:pic>
+          </mc:Fallback>
+        </mc:AlternateContent>
+        <mc:AlternateContent xmlns:mc="http://schemas.openxmlformats.org/markup-compatibility/2006">
+          <mc:Choice xmlns:p14="http://schemas.microsoft.com/office/powerpoint/2010/main" Requires="p14">
+            <p:contentPart p14:bwMode="auto" r:id="rId31">
+              <p14:nvContentPartPr>
+                <p14:cNvPr id="39" name="Ink 38">
+                  <a:extLst>
+                    <a:ext uri="{FF2B5EF4-FFF2-40B4-BE49-F238E27FC236}">
+                      <a16:creationId xmlns:a16="http://schemas.microsoft.com/office/drawing/2014/main" id="{ED62F2BF-6858-4B85-5E39-1E5EF62F43F5}"/>
+                    </a:ext>
+                  </a:extLst>
+                </p14:cNvPr>
+                <p14:cNvContentPartPr/>
+                <p14:nvPr/>
+              </p14:nvContentPartPr>
+              <p14:xfrm>
+                <a:off x="4677120" y="1818542"/>
+                <a:ext cx="479520" cy="280440"/>
+              </p14:xfrm>
+            </p:contentPart>
+          </mc:Choice>
+          <mc:Fallback>
+            <p:pic>
+              <p:nvPicPr>
+                <p:cNvPr id="39" name="Ink 38">
+                  <a:extLst>
+                    <a:ext uri="{FF2B5EF4-FFF2-40B4-BE49-F238E27FC236}">
+                      <a16:creationId xmlns:a16="http://schemas.microsoft.com/office/drawing/2014/main" id="{ED62F2BF-6858-4B85-5E39-1E5EF62F43F5}"/>
+                    </a:ext>
+                  </a:extLst>
+                </p:cNvPr>
+                <p:cNvPicPr/>
+                <p:nvPr/>
+              </p:nvPicPr>
+              <p:blipFill>
+                <a:blip r:embed="rId32"/>
+                <a:stretch>
+                  <a:fillRect/>
+                </a:stretch>
+              </p:blipFill>
+              <p:spPr>
+                <a:xfrm>
+                  <a:off x="4668480" y="1809542"/>
+                  <a:ext cx="497160" cy="298080"/>
+                </a:xfrm>
+                <a:prstGeom prst="rect">
+                  <a:avLst/>
+                </a:prstGeom>
+              </p:spPr>
+            </p:pic>
+          </mc:Fallback>
+        </mc:AlternateContent>
+        <mc:AlternateContent xmlns:mc="http://schemas.openxmlformats.org/markup-compatibility/2006">
+          <mc:Choice xmlns:p14="http://schemas.microsoft.com/office/powerpoint/2010/main" Requires="p14">
+            <p:contentPart p14:bwMode="auto" r:id="rId33">
+              <p14:nvContentPartPr>
+                <p14:cNvPr id="41" name="Ink 40">
+                  <a:extLst>
+                    <a:ext uri="{FF2B5EF4-FFF2-40B4-BE49-F238E27FC236}">
+                      <a16:creationId xmlns:a16="http://schemas.microsoft.com/office/drawing/2014/main" id="{0D48EBD4-EF84-C4C2-AD8D-5477F2EB7F9A}"/>
+                    </a:ext>
+                  </a:extLst>
+                </p14:cNvPr>
+                <p14:cNvContentPartPr/>
+                <p14:nvPr/>
+              </p14:nvContentPartPr>
+              <p14:xfrm>
+                <a:off x="4934880" y="1941302"/>
+                <a:ext cx="252360" cy="194040"/>
+              </p14:xfrm>
+            </p:contentPart>
+          </mc:Choice>
+          <mc:Fallback>
+            <p:pic>
+              <p:nvPicPr>
+                <p:cNvPr id="41" name="Ink 40">
+                  <a:extLst>
+                    <a:ext uri="{FF2B5EF4-FFF2-40B4-BE49-F238E27FC236}">
+                      <a16:creationId xmlns:a16="http://schemas.microsoft.com/office/drawing/2014/main" id="{0D48EBD4-EF84-C4C2-AD8D-5477F2EB7F9A}"/>
+                    </a:ext>
+                  </a:extLst>
+                </p:cNvPr>
+                <p:cNvPicPr/>
+                <p:nvPr/>
+              </p:nvPicPr>
+              <p:blipFill>
+                <a:blip r:embed="rId34"/>
+                <a:stretch>
+                  <a:fillRect/>
+                </a:stretch>
+              </p:blipFill>
+              <p:spPr>
+                <a:xfrm>
+                  <a:off x="4926240" y="1932662"/>
+                  <a:ext cx="270000" cy="211680"/>
+                </a:xfrm>
+                <a:prstGeom prst="rect">
+                  <a:avLst/>
+                </a:prstGeom>
+              </p:spPr>
+            </p:pic>
+          </mc:Fallback>
+        </mc:AlternateContent>
+        <mc:AlternateContent xmlns:mc="http://schemas.openxmlformats.org/markup-compatibility/2006">
+          <mc:Choice xmlns:p14="http://schemas.microsoft.com/office/powerpoint/2010/main" Requires="p14">
+            <p:contentPart p14:bwMode="auto" r:id="rId35">
+              <p14:nvContentPartPr>
+                <p14:cNvPr id="43" name="Ink 42">
+                  <a:extLst>
+                    <a:ext uri="{FF2B5EF4-FFF2-40B4-BE49-F238E27FC236}">
+                      <a16:creationId xmlns:a16="http://schemas.microsoft.com/office/drawing/2014/main" id="{94E28C28-2154-8697-3814-3FF5DF922672}"/>
+                    </a:ext>
+                  </a:extLst>
+                </p14:cNvPr>
+                <p14:cNvContentPartPr/>
+                <p14:nvPr/>
+              </p14:nvContentPartPr>
+              <p14:xfrm>
+                <a:off x="3540600" y="688502"/>
+                <a:ext cx="1199880" cy="1752480"/>
+              </p14:xfrm>
+            </p:contentPart>
+          </mc:Choice>
+          <mc:Fallback>
+            <p:pic>
+              <p:nvPicPr>
+                <p:cNvPr id="43" name="Ink 42">
+                  <a:extLst>
+                    <a:ext uri="{FF2B5EF4-FFF2-40B4-BE49-F238E27FC236}">
+                      <a16:creationId xmlns:a16="http://schemas.microsoft.com/office/drawing/2014/main" id="{94E28C28-2154-8697-3814-3FF5DF922672}"/>
+                    </a:ext>
+                  </a:extLst>
+                </p:cNvPr>
+                <p:cNvPicPr/>
+                <p:nvPr/>
+              </p:nvPicPr>
+              <p:blipFill>
+                <a:blip r:embed="rId36"/>
+                <a:stretch>
+                  <a:fillRect/>
+                </a:stretch>
+              </p:blipFill>
+              <p:spPr>
+                <a:xfrm>
+                  <a:off x="3531960" y="679502"/>
+                  <a:ext cx="1217520" cy="1770120"/>
+                </a:xfrm>
+                <a:prstGeom prst="rect">
+                  <a:avLst/>
+                </a:prstGeom>
+              </p:spPr>
+            </p:pic>
+          </mc:Fallback>
+        </mc:AlternateContent>
+      </p:grpSp>
     </p:spTree>
     <p:extLst>
       <p:ext uri="{BB962C8B-B14F-4D97-AF65-F5344CB8AC3E}">
@@ -7747,13 +8551,7 @@
                             <a:rPr lang="en-US" b="0" i="1" smtClean="0">
                               <a:latin typeface="Cambria Math" panose="02040503050406030204" pitchFamily="18" charset="0"/>
                             </a:rPr>
-                            <m:t>+</m:t>
-                          </m:r>
-                          <m:r>
-                            <a:rPr lang="en-US" b="0" i="1" smtClean="0">
-                              <a:latin typeface="Cambria Math" panose="02040503050406030204" pitchFamily="18" charset="0"/>
-                            </a:rPr>
-                            <m:t>0</m:t>
+                            <m:t>+0</m:t>
                           </m:r>
                         </m:e>
                       </m:d>
@@ -8080,19 +8878,7 @@
                         <a:rPr lang="en-US" b="0" i="1" smtClean="0">
                           <a:latin typeface="Cambria Math" panose="02040503050406030204" pitchFamily="18" charset="0"/>
                         </a:rPr>
-                        <m:t>|</m:t>
-                      </m:r>
-                      <m:r>
-                        <a:rPr lang="en-US" b="0" i="1" smtClean="0">
-                          <a:latin typeface="Cambria Math" panose="02040503050406030204" pitchFamily="18" charset="0"/>
-                        </a:rPr>
-                        <m:t>10</m:t>
-                      </m:r>
-                      <m:r>
-                        <a:rPr lang="en-US" b="0" i="1" smtClean="0">
-                          <a:latin typeface="Cambria Math" panose="02040503050406030204" pitchFamily="18" charset="0"/>
-                        </a:rPr>
-                        <m:t>⟩</m:t>
+                        <m:t>|10⟩</m:t>
                       </m:r>
                     </m:oMath>
                   </m:oMathPara>
@@ -10086,19 +10872,7 @@
                             <a:rPr lang="en-US" b="0" i="1" smtClean="0">
                               <a:latin typeface="Cambria Math" panose="02040503050406030204" pitchFamily="18" charset="0"/>
                             </a:rPr>
-                            <m:t>+|</m:t>
-                          </m:r>
-                          <m:r>
-                            <a:rPr lang="en-US" b="0" i="1" smtClean="0">
-                              <a:latin typeface="Cambria Math" panose="02040503050406030204" pitchFamily="18" charset="0"/>
-                            </a:rPr>
-                            <m:t>11</m:t>
-                          </m:r>
-                          <m:r>
-                            <a:rPr lang="en-US" b="0" i="1" smtClean="0">
-                              <a:latin typeface="Cambria Math" panose="02040503050406030204" pitchFamily="18" charset="0"/>
-                            </a:rPr>
-                            <m:t>⟩</m:t>
+                            <m:t>+|11⟩</m:t>
                           </m:r>
                         </m:e>
                       </m:d>
@@ -10254,6 +11028,180 @@
           </a:p>
         </p:txBody>
       </p:sp>
+      <p:grpSp>
+        <p:nvGrpSpPr>
+          <p:cNvPr id="13" name="Group 12">
+            <a:extLst>
+              <a:ext uri="{FF2B5EF4-FFF2-40B4-BE49-F238E27FC236}">
+                <a16:creationId xmlns:a16="http://schemas.microsoft.com/office/drawing/2014/main" id="{FA91C252-0CE4-E77C-588A-5CE62283AC5D}"/>
+              </a:ext>
+            </a:extLst>
+          </p:cNvPr>
+          <p:cNvGrpSpPr/>
+          <p:nvPr/>
+        </p:nvGrpSpPr>
+        <p:grpSpPr>
+          <a:xfrm>
+            <a:off x="7233480" y="2959022"/>
+            <a:ext cx="226080" cy="29160"/>
+            <a:chOff x="7233480" y="2959022"/>
+            <a:chExt cx="226080" cy="29160"/>
+          </a:xfrm>
+        </p:grpSpPr>
+        <mc:AlternateContent xmlns:mc="http://schemas.openxmlformats.org/markup-compatibility/2006">
+          <mc:Choice xmlns:p14="http://schemas.microsoft.com/office/powerpoint/2010/main" Requires="p14">
+            <p:contentPart p14:bwMode="auto" r:id="rId3">
+              <p14:nvContentPartPr>
+                <p14:cNvPr id="8" name="Ink 7">
+                  <a:extLst>
+                    <a:ext uri="{FF2B5EF4-FFF2-40B4-BE49-F238E27FC236}">
+                      <a16:creationId xmlns:a16="http://schemas.microsoft.com/office/drawing/2014/main" id="{C61965CB-873B-0936-BB33-F0B016383477}"/>
+                    </a:ext>
+                  </a:extLst>
+                </p14:cNvPr>
+                <p14:cNvContentPartPr/>
+                <p14:nvPr/>
+              </p14:nvContentPartPr>
+              <p14:xfrm>
+                <a:off x="7233480" y="2971262"/>
+                <a:ext cx="3240" cy="16920"/>
+              </p14:xfrm>
+            </p:contentPart>
+          </mc:Choice>
+          <mc:Fallback>
+            <p:pic>
+              <p:nvPicPr>
+                <p:cNvPr id="8" name="Ink 7">
+                  <a:extLst>
+                    <a:ext uri="{FF2B5EF4-FFF2-40B4-BE49-F238E27FC236}">
+                      <a16:creationId xmlns:a16="http://schemas.microsoft.com/office/drawing/2014/main" id="{C61965CB-873B-0936-BB33-F0B016383477}"/>
+                    </a:ext>
+                  </a:extLst>
+                </p:cNvPr>
+                <p:cNvPicPr/>
+                <p:nvPr/>
+              </p:nvPicPr>
+              <p:blipFill>
+                <a:blip r:embed="rId4"/>
+                <a:stretch>
+                  <a:fillRect/>
+                </a:stretch>
+              </p:blipFill>
+              <p:spPr>
+                <a:xfrm>
+                  <a:off x="7224840" y="2962262"/>
+                  <a:ext cx="20880" cy="34560"/>
+                </a:xfrm>
+                <a:prstGeom prst="rect">
+                  <a:avLst/>
+                </a:prstGeom>
+              </p:spPr>
+            </p:pic>
+          </mc:Fallback>
+        </mc:AlternateContent>
+        <mc:AlternateContent xmlns:mc="http://schemas.openxmlformats.org/markup-compatibility/2006">
+          <mc:Choice xmlns:p14="http://schemas.microsoft.com/office/powerpoint/2010/main" Requires="p14">
+            <p:contentPart p14:bwMode="auto" r:id="rId5">
+              <p14:nvContentPartPr>
+                <p14:cNvPr id="11" name="Ink 10">
+                  <a:extLst>
+                    <a:ext uri="{FF2B5EF4-FFF2-40B4-BE49-F238E27FC236}">
+                      <a16:creationId xmlns:a16="http://schemas.microsoft.com/office/drawing/2014/main" id="{09C8F0BB-F97E-6D42-8B14-C20AC6C71B40}"/>
+                    </a:ext>
+                  </a:extLst>
+                </p14:cNvPr>
+                <p14:cNvContentPartPr/>
+                <p14:nvPr/>
+              </p14:nvContentPartPr>
+              <p14:xfrm>
+                <a:off x="7459200" y="2959022"/>
+                <a:ext cx="360" cy="360"/>
+              </p14:xfrm>
+            </p:contentPart>
+          </mc:Choice>
+          <mc:Fallback>
+            <p:pic>
+              <p:nvPicPr>
+                <p:cNvPr id="11" name="Ink 10">
+                  <a:extLst>
+                    <a:ext uri="{FF2B5EF4-FFF2-40B4-BE49-F238E27FC236}">
+                      <a16:creationId xmlns:a16="http://schemas.microsoft.com/office/drawing/2014/main" id="{09C8F0BB-F97E-6D42-8B14-C20AC6C71B40}"/>
+                    </a:ext>
+                  </a:extLst>
+                </p:cNvPr>
+                <p:cNvPicPr/>
+                <p:nvPr/>
+              </p:nvPicPr>
+              <p:blipFill>
+                <a:blip r:embed="rId6"/>
+                <a:stretch>
+                  <a:fillRect/>
+                </a:stretch>
+              </p:blipFill>
+              <p:spPr>
+                <a:xfrm>
+                  <a:off x="7450200" y="2950382"/>
+                  <a:ext cx="18000" cy="18000"/>
+                </a:xfrm>
+                <a:prstGeom prst="rect">
+                  <a:avLst/>
+                </a:prstGeom>
+              </p:spPr>
+            </p:pic>
+          </mc:Fallback>
+        </mc:AlternateContent>
+      </p:grpSp>
+      <mc:AlternateContent xmlns:mc="http://schemas.openxmlformats.org/markup-compatibility/2006">
+        <mc:Choice xmlns:p14="http://schemas.microsoft.com/office/powerpoint/2010/main" Requires="p14">
+          <p:contentPart p14:bwMode="auto" r:id="rId7">
+            <p14:nvContentPartPr>
+              <p14:cNvPr id="14" name="Ink 13">
+                <a:extLst>
+                  <a:ext uri="{FF2B5EF4-FFF2-40B4-BE49-F238E27FC236}">
+                    <a16:creationId xmlns:a16="http://schemas.microsoft.com/office/drawing/2014/main" id="{1A7A185D-7E33-DB09-CEBB-7B54DDE2A31A}"/>
+                  </a:ext>
+                </a:extLst>
+              </p14:cNvPr>
+              <p14:cNvContentPartPr/>
+              <p14:nvPr/>
+            </p14:nvContentPartPr>
+            <p14:xfrm>
+              <a:off x="7091280" y="4130462"/>
+              <a:ext cx="360" cy="360"/>
+            </p14:xfrm>
+          </p:contentPart>
+        </mc:Choice>
+        <mc:Fallback>
+          <p:pic>
+            <p:nvPicPr>
+              <p:cNvPr id="14" name="Ink 13">
+                <a:extLst>
+                  <a:ext uri="{FF2B5EF4-FFF2-40B4-BE49-F238E27FC236}">
+                    <a16:creationId xmlns:a16="http://schemas.microsoft.com/office/drawing/2014/main" id="{1A7A185D-7E33-DB09-CEBB-7B54DDE2A31A}"/>
+                  </a:ext>
+                </a:extLst>
+              </p:cNvPr>
+              <p:cNvPicPr/>
+              <p:nvPr/>
+            </p:nvPicPr>
+            <p:blipFill>
+              <a:blip r:embed="rId6"/>
+              <a:stretch>
+                <a:fillRect/>
+              </a:stretch>
+            </p:blipFill>
+            <p:spPr>
+              <a:xfrm>
+                <a:off x="7082640" y="4121462"/>
+                <a:ext cx="18000" cy="18000"/>
+              </a:xfrm>
+              <a:prstGeom prst="rect">
+                <a:avLst/>
+              </a:prstGeom>
+            </p:spPr>
+          </p:pic>
+        </mc:Fallback>
+      </mc:AlternateContent>
     </p:spTree>
     <p:extLst>
       <p:ext uri="{BB962C8B-B14F-4D97-AF65-F5344CB8AC3E}">
@@ -10478,8 +11426,8 @@
           </a:p>
         </p:txBody>
       </p:sp>
-      <mc:AlternateContent xmlns:mc="http://schemas.openxmlformats.org/markup-compatibility/2006">
-        <mc:Choice xmlns:a14="http://schemas.microsoft.com/office/drawing/2010/main" Requires="a14">
+      <mc:AlternateContent xmlns:mc="http://schemas.openxmlformats.org/markup-compatibility/2006" xmlns:a14="http://schemas.microsoft.com/office/drawing/2010/main">
+        <mc:Choice Requires="a14">
           <p:sp>
             <p:nvSpPr>
               <p:cNvPr id="3" name="Chỗ dành sẵn cho Nội dung 2">
@@ -10612,55 +11560,7 @@
                         <a:rPr lang="en-US" b="0" i="1" smtClean="0">
                           <a:latin typeface="Cambria Math" panose="02040503050406030204" pitchFamily="18" charset="0"/>
                         </a:rPr>
-                        <m:t>=|</m:t>
-                      </m:r>
-                      <m:r>
-                        <a:rPr lang="en-US" b="0" i="1" smtClean="0">
-                          <a:latin typeface="Cambria Math" panose="02040503050406030204" pitchFamily="18" charset="0"/>
-                        </a:rPr>
-                        <m:t>0</m:t>
-                      </m:r>
-                      <m:r>
-                        <a:rPr lang="en-US" b="0" i="1" smtClean="0">
-                          <a:latin typeface="Cambria Math" panose="02040503050406030204" pitchFamily="18" charset="0"/>
-                        </a:rPr>
-                        <m:t>⟩⟨</m:t>
-                      </m:r>
-                      <m:r>
-                        <a:rPr lang="en-US" b="0" i="1" smtClean="0">
-                          <a:latin typeface="Cambria Math" panose="02040503050406030204" pitchFamily="18" charset="0"/>
-                        </a:rPr>
-                        <m:t>1</m:t>
-                      </m:r>
-                      <m:r>
-                        <a:rPr lang="en-US" b="0" i="1" smtClean="0">
-                          <a:latin typeface="Cambria Math" panose="02040503050406030204" pitchFamily="18" charset="0"/>
-                        </a:rPr>
-                        <m:t>|+|</m:t>
-                      </m:r>
-                      <m:r>
-                        <a:rPr lang="en-US" b="0" i="1" smtClean="0">
-                          <a:latin typeface="Cambria Math" panose="02040503050406030204" pitchFamily="18" charset="0"/>
-                        </a:rPr>
-                        <m:t>1</m:t>
-                      </m:r>
-                      <m:r>
-                        <a:rPr lang="en-US" b="0" i="1" smtClean="0">
-                          <a:latin typeface="Cambria Math" panose="02040503050406030204" pitchFamily="18" charset="0"/>
-                        </a:rPr>
-                        <m:t>⟩⟨</m:t>
-                      </m:r>
-                      <m:r>
-                        <a:rPr lang="en-US" b="0" i="1" smtClean="0">
-                          <a:latin typeface="Cambria Math" panose="02040503050406030204" pitchFamily="18" charset="0"/>
-                        </a:rPr>
-                        <m:t>0</m:t>
-                      </m:r>
-                      <m:r>
-                        <a:rPr lang="en-US" b="0" i="1" smtClean="0">
-                          <a:latin typeface="Cambria Math" panose="02040503050406030204" pitchFamily="18" charset="0"/>
-                        </a:rPr>
-                        <m:t>|</m:t>
+                        <m:t>=|0⟩⟨1|+|1⟩⟨0|</m:t>
                       </m:r>
                     </m:oMath>
                   </m:oMathPara>
@@ -10847,31 +11747,7 @@
                         <a:rPr lang="en-US" i="1">
                           <a:latin typeface="Cambria Math" panose="02040503050406030204" pitchFamily="18" charset="0"/>
                         </a:rPr>
-                        <m:t>|</m:t>
-                      </m:r>
-                      <m:r>
-                        <a:rPr lang="en-US" i="1">
-                          <a:latin typeface="Cambria Math" panose="02040503050406030204" pitchFamily="18" charset="0"/>
-                        </a:rPr>
-                        <m:t>0</m:t>
-                      </m:r>
-                      <m:r>
-                        <a:rPr lang="en-US" i="1">
-                          <a:latin typeface="Cambria Math" panose="02040503050406030204" pitchFamily="18" charset="0"/>
-                        </a:rPr>
-                        <m:t>⟩⟨</m:t>
-                      </m:r>
-                      <m:r>
-                        <a:rPr lang="en-US" i="1">
-                          <a:latin typeface="Cambria Math" panose="02040503050406030204" pitchFamily="18" charset="0"/>
-                        </a:rPr>
-                        <m:t>1</m:t>
-                      </m:r>
-                      <m:r>
-                        <a:rPr lang="en-US" i="1">
-                          <a:latin typeface="Cambria Math" panose="02040503050406030204" pitchFamily="18" charset="0"/>
-                        </a:rPr>
-                        <m:t>|+</m:t>
+                        <m:t>|0⟩⟨1|+</m:t>
                       </m:r>
                       <m:r>
                         <a:rPr lang="en-US" b="0" i="1" smtClean="0">
@@ -10883,31 +11759,7 @@
                         <a:rPr lang="en-US" i="1">
                           <a:latin typeface="Cambria Math" panose="02040503050406030204" pitchFamily="18" charset="0"/>
                         </a:rPr>
-                        <m:t>|</m:t>
-                      </m:r>
-                      <m:r>
-                        <a:rPr lang="en-US" i="1">
-                          <a:latin typeface="Cambria Math" panose="02040503050406030204" pitchFamily="18" charset="0"/>
-                        </a:rPr>
-                        <m:t>1</m:t>
-                      </m:r>
-                      <m:r>
-                        <a:rPr lang="en-US" i="1">
-                          <a:latin typeface="Cambria Math" panose="02040503050406030204" pitchFamily="18" charset="0"/>
-                        </a:rPr>
-                        <m:t>⟩⟨</m:t>
-                      </m:r>
-                      <m:r>
-                        <a:rPr lang="en-US" i="1">
-                          <a:latin typeface="Cambria Math" panose="02040503050406030204" pitchFamily="18" charset="0"/>
-                        </a:rPr>
-                        <m:t>0</m:t>
-                      </m:r>
-                      <m:r>
-                        <a:rPr lang="en-US" i="1">
-                          <a:latin typeface="Cambria Math" panose="02040503050406030204" pitchFamily="18" charset="0"/>
-                        </a:rPr>
-                        <m:t>|</m:t>
+                        <m:t>|1⟩⟨0|</m:t>
                       </m:r>
                     </m:oMath>
                   </m:oMathPara>
@@ -10978,7 +11830,7 @@
             </p:txBody>
           </p:sp>
         </mc:Choice>
-        <mc:Fallback>
+        <mc:Fallback xmlns="">
           <p:sp>
             <p:nvSpPr>
               <p:cNvPr id="3" name="Chỗ dành sẵn cho Nội dung 2">
@@ -11106,8 +11958,8 @@
           </a:p>
         </p:txBody>
       </p:sp>
-      <mc:AlternateContent xmlns:mc="http://schemas.openxmlformats.org/markup-compatibility/2006">
-        <mc:Choice xmlns:a14="http://schemas.microsoft.com/office/drawing/2010/main" Requires="a14">
+      <mc:AlternateContent xmlns:mc="http://schemas.openxmlformats.org/markup-compatibility/2006" xmlns:a14="http://schemas.microsoft.com/office/drawing/2010/main">
+        <mc:Choice Requires="a14">
           <p:sp>
             <p:nvSpPr>
               <p:cNvPr id="3" name="Chỗ dành sẵn cho Nội dung 2">
@@ -11217,13 +12069,7 @@
                                   <a:rPr lang="en-US" b="0" i="1" smtClean="0">
                                     <a:latin typeface="Cambria Math" panose="02040503050406030204" pitchFamily="18" charset="0"/>
                                   </a:rPr>
-                                  <m:t>−</m:t>
-                                </m:r>
-                                <m:r>
-                                  <a:rPr lang="en-US" b="0" i="1" smtClean="0">
-                                    <a:latin typeface="Cambria Math" panose="02040503050406030204" pitchFamily="18" charset="0"/>
-                                  </a:rPr>
-                                  <m:t>1</m:t>
+                                  <m:t>−1</m:t>
                                 </m:r>
                               </m:e>
                             </m:mr>
@@ -11234,55 +12080,7 @@
                         <a:rPr lang="en-US" b="0" i="1" smtClean="0">
                           <a:latin typeface="Cambria Math" panose="02040503050406030204" pitchFamily="18" charset="0"/>
                         </a:rPr>
-                        <m:t>=|</m:t>
-                      </m:r>
-                      <m:r>
-                        <a:rPr lang="en-US" b="0" i="1" smtClean="0">
-                          <a:latin typeface="Cambria Math" panose="02040503050406030204" pitchFamily="18" charset="0"/>
-                        </a:rPr>
-                        <m:t>0</m:t>
-                      </m:r>
-                      <m:r>
-                        <a:rPr lang="en-US" b="0" i="1" smtClean="0">
-                          <a:latin typeface="Cambria Math" panose="02040503050406030204" pitchFamily="18" charset="0"/>
-                        </a:rPr>
-                        <m:t>⟩⟨</m:t>
-                      </m:r>
-                      <m:r>
-                        <a:rPr lang="en-US" b="0" i="1" smtClean="0">
-                          <a:latin typeface="Cambria Math" panose="02040503050406030204" pitchFamily="18" charset="0"/>
-                        </a:rPr>
-                        <m:t>0</m:t>
-                      </m:r>
-                      <m:r>
-                        <a:rPr lang="en-US" b="0" i="1" smtClean="0">
-                          <a:latin typeface="Cambria Math" panose="02040503050406030204" pitchFamily="18" charset="0"/>
-                        </a:rPr>
-                        <m:t>|−|</m:t>
-                      </m:r>
-                      <m:r>
-                        <a:rPr lang="en-US" b="0" i="1" smtClean="0">
-                          <a:latin typeface="Cambria Math" panose="02040503050406030204" pitchFamily="18" charset="0"/>
-                        </a:rPr>
-                        <m:t>1</m:t>
-                      </m:r>
-                      <m:r>
-                        <a:rPr lang="en-US" b="0" i="1" smtClean="0">
-                          <a:latin typeface="Cambria Math" panose="02040503050406030204" pitchFamily="18" charset="0"/>
-                        </a:rPr>
-                        <m:t>⟩⟨</m:t>
-                      </m:r>
-                      <m:r>
-                        <a:rPr lang="en-US" b="0" i="1" smtClean="0">
-                          <a:latin typeface="Cambria Math" panose="02040503050406030204" pitchFamily="18" charset="0"/>
-                        </a:rPr>
-                        <m:t>1</m:t>
-                      </m:r>
-                      <m:r>
-                        <a:rPr lang="en-US" b="0" i="1" smtClean="0">
-                          <a:latin typeface="Cambria Math" panose="02040503050406030204" pitchFamily="18" charset="0"/>
-                        </a:rPr>
-                        <m:t>|</m:t>
+                        <m:t>=|0⟩⟨0|−|1⟩⟨1|</m:t>
                       </m:r>
                     </m:oMath>
                   </m:oMathPara>
@@ -11445,55 +12243,7 @@
                         <a:rPr lang="en-US" i="1">
                           <a:latin typeface="Cambria Math" panose="02040503050406030204" pitchFamily="18" charset="0"/>
                         </a:rPr>
-                        <m:t>=|</m:t>
-                      </m:r>
-                      <m:r>
-                        <a:rPr lang="en-US" i="1">
-                          <a:latin typeface="Cambria Math" panose="02040503050406030204" pitchFamily="18" charset="0"/>
-                        </a:rPr>
-                        <m:t>0</m:t>
-                      </m:r>
-                      <m:r>
-                        <a:rPr lang="en-US" i="1">
-                          <a:latin typeface="Cambria Math" panose="02040503050406030204" pitchFamily="18" charset="0"/>
-                        </a:rPr>
-                        <m:t>⟩⟨</m:t>
-                      </m:r>
-                      <m:r>
-                        <a:rPr lang="en-US" i="1">
-                          <a:latin typeface="Cambria Math" panose="02040503050406030204" pitchFamily="18" charset="0"/>
-                        </a:rPr>
-                        <m:t>0</m:t>
-                      </m:r>
-                      <m:r>
-                        <a:rPr lang="en-US" i="1">
-                          <a:latin typeface="Cambria Math" panose="02040503050406030204" pitchFamily="18" charset="0"/>
-                        </a:rPr>
-                        <m:t>|+|</m:t>
-                      </m:r>
-                      <m:r>
-                        <a:rPr lang="en-US" i="1">
-                          <a:latin typeface="Cambria Math" panose="02040503050406030204" pitchFamily="18" charset="0"/>
-                        </a:rPr>
-                        <m:t>1</m:t>
-                      </m:r>
-                      <m:r>
-                        <a:rPr lang="en-US" i="1">
-                          <a:latin typeface="Cambria Math" panose="02040503050406030204" pitchFamily="18" charset="0"/>
-                        </a:rPr>
-                        <m:t>⟩⟨</m:t>
-                      </m:r>
-                      <m:r>
-                        <a:rPr lang="en-US" i="1">
-                          <a:latin typeface="Cambria Math" panose="02040503050406030204" pitchFamily="18" charset="0"/>
-                        </a:rPr>
-                        <m:t>1</m:t>
-                      </m:r>
-                      <m:r>
-                        <a:rPr lang="en-US" i="1">
-                          <a:latin typeface="Cambria Math" panose="02040503050406030204" pitchFamily="18" charset="0"/>
-                        </a:rPr>
-                        <m:t>|</m:t>
+                        <m:t>=|0⟩⟨0|+|1⟩⟨1|</m:t>
                       </m:r>
                     </m:oMath>
                   </m:oMathPara>
@@ -11668,7 +12418,7 @@
             </p:txBody>
           </p:sp>
         </mc:Choice>
-        <mc:Fallback>
+        <mc:Fallback xmlns="">
           <p:sp>
             <p:nvSpPr>
               <p:cNvPr id="3" name="Chỗ dành sẵn cho Nội dung 2">
@@ -11800,8 +12550,8 @@
           </a:p>
         </p:txBody>
       </p:sp>
-      <mc:AlternateContent xmlns:mc="http://schemas.openxmlformats.org/markup-compatibility/2006">
-        <mc:Choice xmlns:a14="http://schemas.microsoft.com/office/drawing/2010/main" Requires="a14">
+      <mc:AlternateContent xmlns:mc="http://schemas.openxmlformats.org/markup-compatibility/2006" xmlns:a14="http://schemas.microsoft.com/office/drawing/2010/main">
+        <mc:Choice Requires="a14">
           <p:sp>
             <p:nvSpPr>
               <p:cNvPr id="3" name="Chỗ dành sẵn cho Nội dung 2">
@@ -11931,13 +12681,7 @@
                                   <a:rPr lang="en-US" b="0" i="1" smtClean="0">
                                     <a:latin typeface="Cambria Math" panose="02040503050406030204" pitchFamily="18" charset="0"/>
                                   </a:rPr>
-                                  <m:t>−</m:t>
-                                </m:r>
-                                <m:r>
-                                  <a:rPr lang="en-US" b="0" i="1" smtClean="0">
-                                    <a:latin typeface="Cambria Math" panose="02040503050406030204" pitchFamily="18" charset="0"/>
-                                  </a:rPr>
-                                  <m:t>1</m:t>
+                                  <m:t>−1</m:t>
                                 </m:r>
                               </m:e>
                             </m:mr>
@@ -11952,7 +12696,7 @@
             </p:txBody>
           </p:sp>
         </mc:Choice>
-        <mc:Fallback>
+        <mc:Fallback xmlns="">
           <p:sp>
             <p:nvSpPr>
               <p:cNvPr id="3" name="Chỗ dành sẵn cho Nội dung 2">
@@ -13522,19 +14266,7 @@
                             <a:rPr lang="en-US" b="0" i="1" smtClean="0">
                               <a:latin typeface="Cambria Math" panose="02040503050406030204" pitchFamily="18" charset="0"/>
                             </a:rPr>
-                            <m:t>,</m:t>
-                          </m:r>
-                          <m:r>
-                            <a:rPr lang="en-US" b="0" i="1" smtClean="0">
-                              <a:latin typeface="Cambria Math" panose="02040503050406030204" pitchFamily="18" charset="0"/>
-                            </a:rPr>
-                            <m:t>0</m:t>
-                          </m:r>
-                          <m:r>
-                            <a:rPr lang="en-US" b="0" i="1" smtClean="0">
-                              <a:latin typeface="Cambria Math" panose="02040503050406030204" pitchFamily="18" charset="0"/>
-                            </a:rPr>
-                            <m:t>,</m:t>
+                            <m:t>,0,</m:t>
                           </m:r>
                           <m:r>
                             <a:rPr lang="en-US" b="0" i="1" smtClean="0">
@@ -13581,25 +14313,7 @@
                             <a:rPr lang="en-US" b="0" i="1" smtClean="0">
                               <a:latin typeface="Cambria Math" panose="02040503050406030204" pitchFamily="18" charset="0"/>
                             </a:rPr>
-                            <m:t>0</m:t>
-                          </m:r>
-                          <m:r>
-                            <a:rPr lang="en-US" b="0" i="1" smtClean="0">
-                              <a:latin typeface="Cambria Math" panose="02040503050406030204" pitchFamily="18" charset="0"/>
-                            </a:rPr>
-                            <m:t>,</m:t>
-                          </m:r>
-                          <m:r>
-                            <a:rPr lang="en-US" b="0" i="1" smtClean="0">
-                              <a:latin typeface="Cambria Math" panose="02040503050406030204" pitchFamily="18" charset="0"/>
-                            </a:rPr>
-                            <m:t>0</m:t>
-                          </m:r>
-                          <m:r>
-                            <a:rPr lang="en-US" b="0" i="1" smtClean="0">
-                              <a:latin typeface="Cambria Math" panose="02040503050406030204" pitchFamily="18" charset="0"/>
-                            </a:rPr>
-                            <m:t>,</m:t>
+                            <m:t>0,0,</m:t>
                           </m:r>
                           <m:r>
                             <a:rPr lang="en-US" b="0" i="1" smtClean="0">
@@ -13755,8 +14469,8 @@
           </a:p>
         </p:txBody>
       </p:sp>
-      <mc:AlternateContent xmlns:mc="http://schemas.openxmlformats.org/markup-compatibility/2006">
-        <mc:Choice xmlns:a14="http://schemas.microsoft.com/office/drawing/2010/main" Requires="a14">
+      <mc:AlternateContent xmlns:mc="http://schemas.openxmlformats.org/markup-compatibility/2006" xmlns:a14="http://schemas.microsoft.com/office/drawing/2010/main">
+        <mc:Choice Requires="a14">
           <p:sp>
             <p:nvSpPr>
               <p:cNvPr id="3" name="Chỗ dành sẵn cho Nội dung 2">
@@ -14078,7 +14792,7 @@
             </p:txBody>
           </p:sp>
         </mc:Choice>
-        <mc:Fallback>
+        <mc:Fallback xmlns="">
           <p:sp>
             <p:nvSpPr>
               <p:cNvPr id="3" name="Chỗ dành sẵn cho Nội dung 2">
@@ -14280,13 +14994,7 @@
                       <a:rPr lang="en-US" b="0" i="1" smtClean="0">
                         <a:latin typeface="Cambria Math" panose="02040503050406030204" pitchFamily="18" charset="0"/>
                       </a:rPr>
-                      <m:t>±</m:t>
-                    </m:r>
-                    <m:r>
-                      <a:rPr lang="en-US" b="0" i="1" smtClean="0">
-                        <a:latin typeface="Cambria Math" panose="02040503050406030204" pitchFamily="18" charset="0"/>
-                      </a:rPr>
-                      <m:t>1</m:t>
+                      <m:t>±1</m:t>
                     </m:r>
                   </m:oMath>
                 </a14:m>
